--- a/Git and GitHub.pptx
+++ b/Git and GitHub.pptx
@@ -5,7 +5,7 @@
     <p:sldMasterId id="2147483912" r:id="rId1"/>
   </p:sldMasterIdLst>
   <p:notesMasterIdLst>
-    <p:notesMasterId r:id="rId13"/>
+    <p:notesMasterId r:id="rId18"/>
   </p:notesMasterIdLst>
   <p:sldIdLst>
     <p:sldId id="256" r:id="rId2"/>
@@ -19,6 +19,11 @@
     <p:sldId id="261" r:id="rId10"/>
     <p:sldId id="262" r:id="rId11"/>
     <p:sldId id="263" r:id="rId12"/>
+    <p:sldId id="267" r:id="rId13"/>
+    <p:sldId id="268" r:id="rId14"/>
+    <p:sldId id="269" r:id="rId15"/>
+    <p:sldId id="271" r:id="rId16"/>
+    <p:sldId id="270" r:id="rId17"/>
   </p:sldIdLst>
   <p:sldSz cx="12192000" cy="6858000"/>
   <p:notesSz cx="6858000" cy="9144000"/>
@@ -207,7 +212,7 @@
           <a:p>
             <a:fld id="{CF7B8F50-96C4-4743-9556-2F218080C5E6}" type="datetimeFigureOut">
               <a:rPr lang="en-US" smtClean="0"/>
-              <a:t>6/16/2024</a:t>
+              <a:t>6/20/2024</a:t>
             </a:fld>
             <a:endParaRPr lang="en-US"/>
           </a:p>
@@ -1289,7 +1294,7 @@
           <a:p>
             <a:fld id="{AFC63BEB-E7B5-483F-9194-523D7C0CB12C}" type="datetimeFigureOut">
               <a:rPr lang="en-US" smtClean="0"/>
-              <a:t>6/16/2024</a:t>
+              <a:t>6/20/2024</a:t>
             </a:fld>
             <a:endParaRPr lang="en-US"/>
           </a:p>
@@ -2409,7 +2414,7 @@
           <a:p>
             <a:fld id="{AFC63BEB-E7B5-483F-9194-523D7C0CB12C}" type="datetimeFigureOut">
               <a:rPr lang="en-US" smtClean="0"/>
-              <a:t>6/16/2024</a:t>
+              <a:t>6/20/2024</a:t>
             </a:fld>
             <a:endParaRPr lang="en-US"/>
           </a:p>
@@ -3420,7 +3425,7 @@
           <a:p>
             <a:fld id="{AFC63BEB-E7B5-483F-9194-523D7C0CB12C}" type="datetimeFigureOut">
               <a:rPr lang="en-US" smtClean="0"/>
-              <a:t>6/16/2024</a:t>
+              <a:t>6/20/2024</a:t>
             </a:fld>
             <a:endParaRPr lang="en-US"/>
           </a:p>
@@ -4590,7 +4595,7 @@
           <a:p>
             <a:fld id="{AFC63BEB-E7B5-483F-9194-523D7C0CB12C}" type="datetimeFigureOut">
               <a:rPr lang="en-US" smtClean="0"/>
-              <a:t>6/16/2024</a:t>
+              <a:t>6/20/2024</a:t>
             </a:fld>
             <a:endParaRPr lang="en-US"/>
           </a:p>
@@ -5651,7 +5656,7 @@
           <a:p>
             <a:fld id="{AFC63BEB-E7B5-483F-9194-523D7C0CB12C}" type="datetimeFigureOut">
               <a:rPr lang="en-US" smtClean="0"/>
-              <a:t>6/16/2024</a:t>
+              <a:t>6/20/2024</a:t>
             </a:fld>
             <a:endParaRPr lang="en-US"/>
           </a:p>
@@ -6297,7 +6302,7 @@
           <a:p>
             <a:fld id="{AFC63BEB-E7B5-483F-9194-523D7C0CB12C}" type="datetimeFigureOut">
               <a:rPr lang="en-US" smtClean="0"/>
-              <a:t>6/16/2024</a:t>
+              <a:t>6/20/2024</a:t>
             </a:fld>
             <a:endParaRPr lang="en-US"/>
           </a:p>
@@ -7144,7 +7149,7 @@
           <a:p>
             <a:fld id="{AFC63BEB-E7B5-483F-9194-523D7C0CB12C}" type="datetimeFigureOut">
               <a:rPr lang="en-US" smtClean="0"/>
-              <a:t>6/16/2024</a:t>
+              <a:t>6/20/2024</a:t>
             </a:fld>
             <a:endParaRPr lang="en-US"/>
           </a:p>
@@ -7319,7 +7324,7 @@
           <a:p>
             <a:fld id="{AFC63BEB-E7B5-483F-9194-523D7C0CB12C}" type="datetimeFigureOut">
               <a:rPr lang="en-US" smtClean="0"/>
-              <a:t>6/16/2024</a:t>
+              <a:t>6/20/2024</a:t>
             </a:fld>
             <a:endParaRPr lang="en-US"/>
           </a:p>
@@ -8317,7 +8322,7 @@
           <a:p>
             <a:fld id="{AFC63BEB-E7B5-483F-9194-523D7C0CB12C}" type="datetimeFigureOut">
               <a:rPr lang="en-US" smtClean="0"/>
-              <a:t>6/16/2024</a:t>
+              <a:t>6/20/2024</a:t>
             </a:fld>
             <a:endParaRPr lang="en-US"/>
           </a:p>
@@ -8523,7 +8528,7 @@
           <a:p>
             <a:fld id="{AFC63BEB-E7B5-483F-9194-523D7C0CB12C}" type="datetimeFigureOut">
               <a:rPr lang="en-US" smtClean="0"/>
-              <a:t>6/16/2024</a:t>
+              <a:t>6/20/2024</a:t>
             </a:fld>
             <a:endParaRPr lang="en-US"/>
           </a:p>
@@ -9585,7 +9590,7 @@
           <a:p>
             <a:fld id="{AFC63BEB-E7B5-483F-9194-523D7C0CB12C}" type="datetimeFigureOut">
               <a:rPr lang="en-US" smtClean="0"/>
-              <a:t>6/16/2024</a:t>
+              <a:t>6/20/2024</a:t>
             </a:fld>
             <a:endParaRPr lang="en-US"/>
           </a:p>
@@ -9857,7 +9862,7 @@
           <a:p>
             <a:fld id="{AFC63BEB-E7B5-483F-9194-523D7C0CB12C}" type="datetimeFigureOut">
               <a:rPr lang="en-US" smtClean="0"/>
-              <a:t>6/16/2024</a:t>
+              <a:t>6/20/2024</a:t>
             </a:fld>
             <a:endParaRPr lang="en-US"/>
           </a:p>
@@ -10239,7 +10244,7 @@
           <a:p>
             <a:fld id="{AFC63BEB-E7B5-483F-9194-523D7C0CB12C}" type="datetimeFigureOut">
               <a:rPr lang="en-US" smtClean="0"/>
-              <a:t>6/16/2024</a:t>
+              <a:t>6/20/2024</a:t>
             </a:fld>
             <a:endParaRPr lang="en-US"/>
           </a:p>
@@ -10357,7 +10362,7 @@
           <a:p>
             <a:fld id="{AFC63BEB-E7B5-483F-9194-523D7C0CB12C}" type="datetimeFigureOut">
               <a:rPr lang="en-US" smtClean="0"/>
-              <a:t>6/16/2024</a:t>
+              <a:t>6/20/2024</a:t>
             </a:fld>
             <a:endParaRPr lang="en-US"/>
           </a:p>
@@ -10452,7 +10457,7 @@
           <a:p>
             <a:fld id="{AFC63BEB-E7B5-483F-9194-523D7C0CB12C}" type="datetimeFigureOut">
               <a:rPr lang="en-US" smtClean="0"/>
-              <a:t>6/16/2024</a:t>
+              <a:t>6/20/2024</a:t>
             </a:fld>
             <a:endParaRPr lang="en-US"/>
           </a:p>
@@ -11561,7 +11566,7 @@
           <a:p>
             <a:fld id="{AFC63BEB-E7B5-483F-9194-523D7C0CB12C}" type="datetimeFigureOut">
               <a:rPr lang="en-US" smtClean="0"/>
-              <a:t>6/16/2024</a:t>
+              <a:t>6/20/2024</a:t>
             </a:fld>
             <a:endParaRPr lang="en-US"/>
           </a:p>
@@ -12694,7 +12699,7 @@
           <a:p>
             <a:fld id="{AFC63BEB-E7B5-483F-9194-523D7C0CB12C}" type="datetimeFigureOut">
               <a:rPr lang="en-US" smtClean="0"/>
-              <a:t>6/16/2024</a:t>
+              <a:t>6/20/2024</a:t>
             </a:fld>
             <a:endParaRPr lang="en-US"/>
           </a:p>
@@ -13722,7 +13727,7 @@
           <a:p>
             <a:fld id="{AFC63BEB-E7B5-483F-9194-523D7C0CB12C}" type="datetimeFigureOut">
               <a:rPr lang="en-US" smtClean="0"/>
-              <a:t>6/16/2024</a:t>
+              <a:t>6/20/2024</a:t>
             </a:fld>
             <a:endParaRPr lang="en-US"/>
           </a:p>
@@ -14609,7 +14614,7 @@
         </p:blipFill>
         <p:spPr>
           <a:xfrm>
-            <a:off x="2315772" y="2338359"/>
+            <a:off x="2019210" y="2330121"/>
             <a:ext cx="7375075" cy="4241735"/>
           </a:xfrm>
         </p:spPr>
@@ -14997,6 +15002,1240 @@
 </p:sld>
 </file>
 
+<file path=ppt/slides/slide12.xml><?xml version="1.0" encoding="utf-8"?>
+<p:sld xmlns:a="http://schemas.openxmlformats.org/drawingml/2006/main" xmlns:r="http://schemas.openxmlformats.org/officeDocument/2006/relationships" xmlns:p="http://schemas.openxmlformats.org/presentationml/2006/main">
+  <p:cSld>
+    <p:spTree>
+      <p:nvGrpSpPr>
+        <p:cNvPr id="1" name=""/>
+        <p:cNvGrpSpPr/>
+        <p:nvPr/>
+      </p:nvGrpSpPr>
+      <p:grpSpPr>
+        <a:xfrm>
+          <a:off x="0" y="0"/>
+          <a:ext cx="0" cy="0"/>
+          <a:chOff x="0" y="0"/>
+          <a:chExt cx="0" cy="0"/>
+        </a:xfrm>
+      </p:grpSpPr>
+      <p:sp>
+        <p:nvSpPr>
+          <p:cNvPr id="2" name="Title 1">
+            <a:extLst>
+              <a:ext uri="{FF2B5EF4-FFF2-40B4-BE49-F238E27FC236}">
+                <a16:creationId xmlns:a16="http://schemas.microsoft.com/office/drawing/2014/main" id="{815702DF-96E2-CC2F-9BF2-05AE68392B14}"/>
+              </a:ext>
+            </a:extLst>
+          </p:cNvPr>
+          <p:cNvSpPr>
+            <a:spLocks noGrp="1"/>
+          </p:cNvSpPr>
+          <p:nvPr>
+            <p:ph type="title"/>
+          </p:nvPr>
+        </p:nvSpPr>
+        <p:spPr/>
+        <p:txBody>
+          <a:bodyPr/>
+          <a:lstStyle/>
+          <a:p>
+            <a:pPr algn="ctr"/>
+            <a:r>
+              <a:rPr lang="en-US">
+                <a:solidFill>
+                  <a:schemeClr val="bg1"/>
+                </a:solidFill>
+                <a:latin typeface="Arial" panose="020B0604020202020204" pitchFamily="34" charset="0"/>
+                <a:cs typeface="Arial" panose="020B0604020202020204" pitchFamily="34" charset="0"/>
+              </a:rPr>
+              <a:t>Repositories (Repo’s)</a:t>
+            </a:r>
+            <a:endParaRPr lang="bg-BG" dirty="0">
+              <a:solidFill>
+                <a:schemeClr val="bg1"/>
+              </a:solidFill>
+              <a:latin typeface="Arial" panose="020B0604020202020204" pitchFamily="34" charset="0"/>
+              <a:cs typeface="Arial" panose="020B0604020202020204" pitchFamily="34" charset="0"/>
+            </a:endParaRPr>
+          </a:p>
+        </p:txBody>
+      </p:sp>
+      <p:sp>
+        <p:nvSpPr>
+          <p:cNvPr id="3" name="Content Placeholder 2">
+            <a:extLst>
+              <a:ext uri="{FF2B5EF4-FFF2-40B4-BE49-F238E27FC236}">
+                <a16:creationId xmlns:a16="http://schemas.microsoft.com/office/drawing/2014/main" id="{3CA3C333-800B-EFE3-6C86-95CE26A71B34}"/>
+              </a:ext>
+            </a:extLst>
+          </p:cNvPr>
+          <p:cNvSpPr>
+            <a:spLocks noGrp="1"/>
+          </p:cNvSpPr>
+          <p:nvPr>
+            <p:ph idx="1"/>
+          </p:nvPr>
+        </p:nvSpPr>
+        <p:spPr>
+          <a:xfrm>
+            <a:off x="2341204" y="2883587"/>
+            <a:ext cx="8761412" cy="3416300"/>
+          </a:xfrm>
+        </p:spPr>
+        <p:txBody>
+          <a:bodyPr/>
+          <a:lstStyle/>
+          <a:p>
+            <a:pPr marL="0" indent="0">
+              <a:buNone/>
+            </a:pPr>
+            <a:r>
+              <a:rPr lang="en-US" dirty="0">
+                <a:latin typeface="Arial" panose="020B0604020202020204" pitchFamily="34" charset="0"/>
+                <a:cs typeface="Arial" panose="020B0604020202020204" pitchFamily="34" charset="0"/>
+              </a:rPr>
+              <a:t>Repository-</a:t>
+            </a:r>
+            <a:r>
+              <a:rPr lang="bg-BG" dirty="0">
+                <a:latin typeface="Arial" panose="020B0604020202020204" pitchFamily="34" charset="0"/>
+                <a:cs typeface="Arial" panose="020B0604020202020204" pitchFamily="34" charset="0"/>
+              </a:rPr>
+              <a:t>то е контейнер за проект, който искаме да следим с </a:t>
+            </a:r>
+            <a:r>
+              <a:rPr lang="en-US" dirty="0">
+                <a:latin typeface="Arial" panose="020B0604020202020204" pitchFamily="34" charset="0"/>
+                <a:cs typeface="Arial" panose="020B0604020202020204" pitchFamily="34" charset="0"/>
+              </a:rPr>
+              <a:t>Git</a:t>
+            </a:r>
+            <a:r>
+              <a:rPr lang="bg-BG" dirty="0">
+                <a:latin typeface="Arial" panose="020B0604020202020204" pitchFamily="34" charset="0"/>
+                <a:cs typeface="Arial" panose="020B0604020202020204" pitchFamily="34" charset="0"/>
+              </a:rPr>
+              <a:t>.</a:t>
+            </a:r>
+          </a:p>
+          <a:p>
+            <a:endParaRPr lang="bg-BG" dirty="0">
+              <a:latin typeface="Arial" panose="020B0604020202020204" pitchFamily="34" charset="0"/>
+              <a:cs typeface="Arial" panose="020B0604020202020204" pitchFamily="34" charset="0"/>
+            </a:endParaRPr>
+          </a:p>
+          <a:p>
+            <a:pPr marL="0" indent="0">
+              <a:buNone/>
+            </a:pPr>
+            <a:r>
+              <a:rPr lang="bg-BG" dirty="0">
+                <a:latin typeface="Arial" panose="020B0604020202020204" pitchFamily="34" charset="0"/>
+                <a:cs typeface="Arial" panose="020B0604020202020204" pitchFamily="34" charset="0"/>
+              </a:rPr>
+              <a:t>Можем да имаме много </a:t>
+            </a:r>
+            <a:r>
+              <a:rPr lang="en-US" dirty="0">
+                <a:latin typeface="Arial" panose="020B0604020202020204" pitchFamily="34" charset="0"/>
+                <a:cs typeface="Arial" panose="020B0604020202020204" pitchFamily="34" charset="0"/>
+              </a:rPr>
+              <a:t>repository-</a:t>
+            </a:r>
+            <a:r>
+              <a:rPr lang="bg-BG" dirty="0">
+                <a:latin typeface="Arial" panose="020B0604020202020204" pitchFamily="34" charset="0"/>
+                <a:cs typeface="Arial" panose="020B0604020202020204" pitchFamily="34" charset="0"/>
+              </a:rPr>
+              <a:t>та на нашият компютър за много различни проекти.</a:t>
+            </a:r>
+          </a:p>
+          <a:p>
+            <a:endParaRPr lang="bg-BG" dirty="0">
+              <a:latin typeface="Arial" panose="020B0604020202020204" pitchFamily="34" charset="0"/>
+              <a:cs typeface="Arial" panose="020B0604020202020204" pitchFamily="34" charset="0"/>
+            </a:endParaRPr>
+          </a:p>
+          <a:p>
+            <a:pPr marL="0" indent="0">
+              <a:buNone/>
+            </a:pPr>
+            <a:r>
+              <a:rPr lang="en-US" dirty="0">
+                <a:latin typeface="Arial" panose="020B0604020202020204" pitchFamily="34" charset="0"/>
+                <a:cs typeface="Arial" panose="020B0604020202020204" pitchFamily="34" charset="0"/>
+              </a:rPr>
+              <a:t>Repository</a:t>
+            </a:r>
+            <a:r>
+              <a:rPr lang="bg-BG" dirty="0">
+                <a:latin typeface="Arial" panose="020B0604020202020204" pitchFamily="34" charset="0"/>
+                <a:cs typeface="Arial" panose="020B0604020202020204" pitchFamily="34" charset="0"/>
+              </a:rPr>
+              <a:t>-то се създава със специална команда в </a:t>
+            </a:r>
+            <a:r>
+              <a:rPr lang="en-US" dirty="0">
+                <a:latin typeface="Arial" panose="020B0604020202020204" pitchFamily="34" charset="0"/>
+                <a:cs typeface="Arial" panose="020B0604020202020204" pitchFamily="34" charset="0"/>
+              </a:rPr>
+              <a:t>Git</a:t>
+            </a:r>
+            <a:r>
+              <a:rPr lang="bg-BG" dirty="0">
+                <a:latin typeface="Arial" panose="020B0604020202020204" pitchFamily="34" charset="0"/>
+                <a:cs typeface="Arial" panose="020B0604020202020204" pitchFamily="34" charset="0"/>
+              </a:rPr>
+              <a:t>.</a:t>
+            </a:r>
+          </a:p>
+        </p:txBody>
+      </p:sp>
+      <p:pic>
+        <p:nvPicPr>
+          <p:cNvPr id="5" name="Picture 4" descr="A yellow folder with a white paper in it&#10;&#10;Description automatically generated">
+            <a:extLst>
+              <a:ext uri="{FF2B5EF4-FFF2-40B4-BE49-F238E27FC236}">
+                <a16:creationId xmlns:a16="http://schemas.microsoft.com/office/drawing/2014/main" id="{7013BBF7-AD6E-F01E-4219-48B8A2FECC85}"/>
+              </a:ext>
+            </a:extLst>
+          </p:cNvPr>
+          <p:cNvPicPr>
+            <a:picLocks noChangeAspect="1"/>
+          </p:cNvPicPr>
+          <p:nvPr/>
+        </p:nvPicPr>
+        <p:blipFill>
+          <a:blip r:embed="rId2">
+            <a:extLst>
+              <a:ext uri="{28A0092B-C50C-407E-A947-70E740481C1C}">
+                <a14:useLocalDpi xmlns:a14="http://schemas.microsoft.com/office/drawing/2010/main" val="0"/>
+              </a:ext>
+            </a:extLst>
+          </a:blip>
+          <a:stretch>
+            <a:fillRect/>
+          </a:stretch>
+        </p:blipFill>
+        <p:spPr>
+          <a:xfrm>
+            <a:off x="1503886" y="2634058"/>
+            <a:ext cx="680122" cy="680122"/>
+          </a:xfrm>
+          <a:prstGeom prst="rect">
+            <a:avLst/>
+          </a:prstGeom>
+        </p:spPr>
+      </p:pic>
+      <p:pic>
+        <p:nvPicPr>
+          <p:cNvPr id="6" name="Picture 5" descr="A yellow folder with a white paper in it&#10;&#10;Description automatically generated">
+            <a:extLst>
+              <a:ext uri="{FF2B5EF4-FFF2-40B4-BE49-F238E27FC236}">
+                <a16:creationId xmlns:a16="http://schemas.microsoft.com/office/drawing/2014/main" id="{02813B8D-2780-EB06-E9DC-FB9D4B5DE1F5}"/>
+              </a:ext>
+            </a:extLst>
+          </p:cNvPr>
+          <p:cNvPicPr>
+            <a:picLocks noChangeAspect="1"/>
+          </p:cNvPicPr>
+          <p:nvPr/>
+        </p:nvPicPr>
+        <p:blipFill>
+          <a:blip r:embed="rId2">
+            <a:extLst>
+              <a:ext uri="{28A0092B-C50C-407E-A947-70E740481C1C}">
+                <a14:useLocalDpi xmlns:a14="http://schemas.microsoft.com/office/drawing/2010/main" val="0"/>
+              </a:ext>
+            </a:extLst>
+          </a:blip>
+          <a:stretch>
+            <a:fillRect/>
+          </a:stretch>
+        </p:blipFill>
+        <p:spPr>
+          <a:xfrm>
+            <a:off x="1503886" y="3512606"/>
+            <a:ext cx="558212" cy="558212"/>
+          </a:xfrm>
+          <a:prstGeom prst="rect">
+            <a:avLst/>
+          </a:prstGeom>
+        </p:spPr>
+      </p:pic>
+      <p:pic>
+        <p:nvPicPr>
+          <p:cNvPr id="7" name="Picture 6" descr="A yellow folder with a white paper in it&#10;&#10;Description automatically generated">
+            <a:extLst>
+              <a:ext uri="{FF2B5EF4-FFF2-40B4-BE49-F238E27FC236}">
+                <a16:creationId xmlns:a16="http://schemas.microsoft.com/office/drawing/2014/main" id="{A90944C2-E990-ACDE-C61F-EAC0AEC8904E}"/>
+              </a:ext>
+            </a:extLst>
+          </p:cNvPr>
+          <p:cNvPicPr>
+            <a:picLocks noChangeAspect="1"/>
+          </p:cNvPicPr>
+          <p:nvPr/>
+        </p:nvPicPr>
+        <p:blipFill>
+          <a:blip r:embed="rId2">
+            <a:extLst>
+              <a:ext uri="{28A0092B-C50C-407E-A947-70E740481C1C}">
+                <a14:useLocalDpi xmlns:a14="http://schemas.microsoft.com/office/drawing/2010/main" val="0"/>
+              </a:ext>
+            </a:extLst>
+          </a:blip>
+          <a:stretch>
+            <a:fillRect/>
+          </a:stretch>
+        </p:blipFill>
+        <p:spPr>
+          <a:xfrm>
+            <a:off x="1782992" y="3711032"/>
+            <a:ext cx="558212" cy="558212"/>
+          </a:xfrm>
+          <a:prstGeom prst="rect">
+            <a:avLst/>
+          </a:prstGeom>
+        </p:spPr>
+      </p:pic>
+      <p:pic>
+        <p:nvPicPr>
+          <p:cNvPr id="9" name="Picture 8" descr="A computer screen with a white arrow&#10;&#10;Description automatically generated">
+            <a:extLst>
+              <a:ext uri="{FF2B5EF4-FFF2-40B4-BE49-F238E27FC236}">
+                <a16:creationId xmlns:a16="http://schemas.microsoft.com/office/drawing/2014/main" id="{A5394618-68D6-6665-AB07-C8D4DAE9C665}"/>
+              </a:ext>
+            </a:extLst>
+          </p:cNvPr>
+          <p:cNvPicPr>
+            <a:picLocks noChangeAspect="1"/>
+          </p:cNvPicPr>
+          <p:nvPr/>
+        </p:nvPicPr>
+        <p:blipFill>
+          <a:blip r:embed="rId3">
+            <a:extLst>
+              <a:ext uri="{28A0092B-C50C-407E-A947-70E740481C1C}">
+                <a14:useLocalDpi xmlns:a14="http://schemas.microsoft.com/office/drawing/2010/main" val="0"/>
+              </a:ext>
+            </a:extLst>
+          </a:blip>
+          <a:stretch>
+            <a:fillRect/>
+          </a:stretch>
+        </p:blipFill>
+        <p:spPr>
+          <a:xfrm>
+            <a:off x="1564422" y="4588470"/>
+            <a:ext cx="683746" cy="683746"/>
+          </a:xfrm>
+          <a:prstGeom prst="rect">
+            <a:avLst/>
+          </a:prstGeom>
+        </p:spPr>
+      </p:pic>
+    </p:spTree>
+    <p:extLst>
+      <p:ext uri="{BB962C8B-B14F-4D97-AF65-F5344CB8AC3E}">
+        <p14:creationId xmlns:p14="http://schemas.microsoft.com/office/powerpoint/2010/main" val="4150545120"/>
+      </p:ext>
+    </p:extLst>
+  </p:cSld>
+  <p:clrMapOvr>
+    <a:masterClrMapping/>
+  </p:clrMapOvr>
+</p:sld>
+</file>
+
+<file path=ppt/slides/slide13.xml><?xml version="1.0" encoding="utf-8"?>
+<p:sld xmlns:a="http://schemas.openxmlformats.org/drawingml/2006/main" xmlns:r="http://schemas.openxmlformats.org/officeDocument/2006/relationships" xmlns:p="http://schemas.openxmlformats.org/presentationml/2006/main">
+  <p:cSld>
+    <p:spTree>
+      <p:nvGrpSpPr>
+        <p:cNvPr id="1" name=""/>
+        <p:cNvGrpSpPr/>
+        <p:nvPr/>
+      </p:nvGrpSpPr>
+      <p:grpSpPr>
+        <a:xfrm>
+          <a:off x="0" y="0"/>
+          <a:ext cx="0" cy="0"/>
+          <a:chOff x="0" y="0"/>
+          <a:chExt cx="0" cy="0"/>
+        </a:xfrm>
+      </p:grpSpPr>
+      <p:sp>
+        <p:nvSpPr>
+          <p:cNvPr id="2" name="Title 1">
+            <a:extLst>
+              <a:ext uri="{FF2B5EF4-FFF2-40B4-BE49-F238E27FC236}">
+                <a16:creationId xmlns:a16="http://schemas.microsoft.com/office/drawing/2014/main" id="{815702DF-96E2-CC2F-9BF2-05AE68392B14}"/>
+              </a:ext>
+            </a:extLst>
+          </p:cNvPr>
+          <p:cNvSpPr>
+            <a:spLocks noGrp="1"/>
+          </p:cNvSpPr>
+          <p:nvPr>
+            <p:ph type="title"/>
+          </p:nvPr>
+        </p:nvSpPr>
+        <p:spPr>
+          <a:xfrm>
+            <a:off x="1435039" y="957192"/>
+            <a:ext cx="8761413" cy="706964"/>
+          </a:xfrm>
+        </p:spPr>
+        <p:txBody>
+          <a:bodyPr/>
+          <a:lstStyle/>
+          <a:p>
+            <a:pPr algn="ctr"/>
+            <a:r>
+              <a:rPr lang="en-US" dirty="0">
+                <a:solidFill>
+                  <a:schemeClr val="bg1"/>
+                </a:solidFill>
+                <a:latin typeface="Arial" panose="020B0604020202020204" pitchFamily="34" charset="0"/>
+                <a:cs typeface="Arial" panose="020B0604020202020204" pitchFamily="34" charset="0"/>
+              </a:rPr>
+              <a:t>Commits</a:t>
+            </a:r>
+            <a:r>
+              <a:rPr lang="bg-BG" dirty="0">
+                <a:solidFill>
+                  <a:schemeClr val="bg1"/>
+                </a:solidFill>
+                <a:latin typeface="Arial" panose="020B0604020202020204" pitchFamily="34" charset="0"/>
+                <a:cs typeface="Arial" panose="020B0604020202020204" pitchFamily="34" charset="0"/>
+              </a:rPr>
+              <a:t> (</a:t>
+            </a:r>
+            <a:r>
+              <a:rPr lang="en-US" dirty="0">
+                <a:solidFill>
+                  <a:schemeClr val="bg1"/>
+                </a:solidFill>
+                <a:latin typeface="Arial" panose="020B0604020202020204" pitchFamily="34" charset="0"/>
+                <a:cs typeface="Arial" panose="020B0604020202020204" pitchFamily="34" charset="0"/>
+              </a:rPr>
+              <a:t>save points</a:t>
+            </a:r>
+            <a:r>
+              <a:rPr lang="bg-BG" dirty="0">
+                <a:solidFill>
+                  <a:schemeClr val="bg1"/>
+                </a:solidFill>
+                <a:latin typeface="Arial" panose="020B0604020202020204" pitchFamily="34" charset="0"/>
+                <a:cs typeface="Arial" panose="020B0604020202020204" pitchFamily="34" charset="0"/>
+              </a:rPr>
+              <a:t>)</a:t>
+            </a:r>
+          </a:p>
+        </p:txBody>
+      </p:sp>
+      <p:pic>
+        <p:nvPicPr>
+          <p:cNvPr id="5" name="Content Placeholder 4" descr="A group of white circles&#10;&#10;Description automatically generated">
+            <a:extLst>
+              <a:ext uri="{FF2B5EF4-FFF2-40B4-BE49-F238E27FC236}">
+                <a16:creationId xmlns:a16="http://schemas.microsoft.com/office/drawing/2014/main" id="{9DBFC97F-5131-2745-386F-B0BE330CE821}"/>
+              </a:ext>
+            </a:extLst>
+          </p:cNvPr>
+          <p:cNvPicPr>
+            <a:picLocks noGrp="1" noChangeAspect="1"/>
+          </p:cNvPicPr>
+          <p:nvPr>
+            <p:ph idx="1"/>
+          </p:nvPr>
+        </p:nvPicPr>
+        <p:blipFill>
+          <a:blip r:embed="rId2">
+            <a:extLst>
+              <a:ext uri="{28A0092B-C50C-407E-A947-70E740481C1C}">
+                <a14:useLocalDpi xmlns:a14="http://schemas.microsoft.com/office/drawing/2010/main" val="0"/>
+              </a:ext>
+            </a:extLst>
+          </a:blip>
+          <a:stretch>
+            <a:fillRect/>
+          </a:stretch>
+        </p:blipFill>
+        <p:spPr>
+          <a:xfrm>
+            <a:off x="997023" y="3137243"/>
+            <a:ext cx="10197953" cy="2513914"/>
+          </a:xfrm>
+        </p:spPr>
+      </p:pic>
+    </p:spTree>
+    <p:extLst>
+      <p:ext uri="{BB962C8B-B14F-4D97-AF65-F5344CB8AC3E}">
+        <p14:creationId xmlns:p14="http://schemas.microsoft.com/office/powerpoint/2010/main" val="3537281455"/>
+      </p:ext>
+    </p:extLst>
+  </p:cSld>
+  <p:clrMapOvr>
+    <a:masterClrMapping/>
+  </p:clrMapOvr>
+</p:sld>
+</file>
+
+<file path=ppt/slides/slide14.xml><?xml version="1.0" encoding="utf-8"?>
+<p:sld xmlns:a="http://schemas.openxmlformats.org/drawingml/2006/main" xmlns:r="http://schemas.openxmlformats.org/officeDocument/2006/relationships" xmlns:p="http://schemas.openxmlformats.org/presentationml/2006/main">
+  <p:cSld>
+    <p:spTree>
+      <p:nvGrpSpPr>
+        <p:cNvPr id="1" name=""/>
+        <p:cNvGrpSpPr/>
+        <p:nvPr/>
+      </p:nvGrpSpPr>
+      <p:grpSpPr>
+        <a:xfrm>
+          <a:off x="0" y="0"/>
+          <a:ext cx="0" cy="0"/>
+          <a:chOff x="0" y="0"/>
+          <a:chExt cx="0" cy="0"/>
+        </a:xfrm>
+      </p:grpSpPr>
+      <p:pic>
+        <p:nvPicPr>
+          <p:cNvPr id="6" name="Content Placeholder 5" descr="A group of white circles on a black background&#10;&#10;Description automatically generated">
+            <a:extLst>
+              <a:ext uri="{FF2B5EF4-FFF2-40B4-BE49-F238E27FC236}">
+                <a16:creationId xmlns:a16="http://schemas.microsoft.com/office/drawing/2014/main" id="{E6130DA0-DBDD-B5EE-7855-892FA4567BFD}"/>
+              </a:ext>
+            </a:extLst>
+          </p:cNvPr>
+          <p:cNvPicPr>
+            <a:picLocks noGrp="1" noChangeAspect="1"/>
+          </p:cNvPicPr>
+          <p:nvPr>
+            <p:ph idx="1"/>
+          </p:nvPr>
+        </p:nvPicPr>
+        <p:blipFill>
+          <a:blip r:embed="rId2">
+            <a:extLst>
+              <a:ext uri="{28A0092B-C50C-407E-A947-70E740481C1C}">
+                <a14:useLocalDpi xmlns:a14="http://schemas.microsoft.com/office/drawing/2010/main" val="0"/>
+              </a:ext>
+            </a:extLst>
+          </a:blip>
+          <a:stretch>
+            <a:fillRect/>
+          </a:stretch>
+        </p:blipFill>
+        <p:spPr>
+          <a:xfrm>
+            <a:off x="3313110" y="2535700"/>
+            <a:ext cx="5443712" cy="4094126"/>
+          </a:xfrm>
+        </p:spPr>
+      </p:pic>
+      <p:sp>
+        <p:nvSpPr>
+          <p:cNvPr id="4" name="Title 1">
+            <a:extLst>
+              <a:ext uri="{FF2B5EF4-FFF2-40B4-BE49-F238E27FC236}">
+                <a16:creationId xmlns:a16="http://schemas.microsoft.com/office/drawing/2014/main" id="{97A0DA64-2B95-5C5F-D47F-194893E6DF87}"/>
+              </a:ext>
+            </a:extLst>
+          </p:cNvPr>
+          <p:cNvSpPr txBox="1">
+            <a:spLocks/>
+          </p:cNvSpPr>
+          <p:nvPr/>
+        </p:nvSpPr>
+        <p:spPr bwMode="gray">
+          <a:xfrm>
+            <a:off x="1307353" y="1126068"/>
+            <a:ext cx="8761413" cy="706964"/>
+          </a:xfrm>
+          <a:prstGeom prst="rect">
+            <a:avLst/>
+          </a:prstGeom>
+        </p:spPr>
+        <p:txBody>
+          <a:bodyPr vert="horz" lIns="91440" tIns="45720" rIns="91440" bIns="45720" rtlCol="0" anchor="ctr">
+            <a:noAutofit/>
+          </a:bodyPr>
+          <a:lstStyle>
+            <a:lvl1pPr algn="l" defTabSz="457200" rtl="0" eaLnBrk="1" latinLnBrk="0" hangingPunct="1">
+              <a:spcBef>
+                <a:spcPct val="0"/>
+              </a:spcBef>
+              <a:buNone/>
+              <a:defRPr sz="3600" b="0" i="0" kern="1200">
+                <a:solidFill>
+                  <a:schemeClr val="bg2"/>
+                </a:solidFill>
+                <a:latin typeface="+mj-lt"/>
+                <a:ea typeface="+mj-ea"/>
+                <a:cs typeface="+mj-cs"/>
+              </a:defRPr>
+            </a:lvl1pPr>
+            <a:lvl2pPr eaLnBrk="1" hangingPunct="1">
+              <a:defRPr>
+                <a:solidFill>
+                  <a:schemeClr val="tx2"/>
+                </a:solidFill>
+              </a:defRPr>
+            </a:lvl2pPr>
+            <a:lvl3pPr eaLnBrk="1" hangingPunct="1">
+              <a:defRPr>
+                <a:solidFill>
+                  <a:schemeClr val="tx2"/>
+                </a:solidFill>
+              </a:defRPr>
+            </a:lvl3pPr>
+            <a:lvl4pPr eaLnBrk="1" hangingPunct="1">
+              <a:defRPr>
+                <a:solidFill>
+                  <a:schemeClr val="tx2"/>
+                </a:solidFill>
+              </a:defRPr>
+            </a:lvl4pPr>
+            <a:lvl5pPr eaLnBrk="1" hangingPunct="1">
+              <a:defRPr>
+                <a:solidFill>
+                  <a:schemeClr val="tx2"/>
+                </a:solidFill>
+              </a:defRPr>
+            </a:lvl5pPr>
+            <a:lvl6pPr eaLnBrk="1" hangingPunct="1">
+              <a:defRPr>
+                <a:solidFill>
+                  <a:schemeClr val="tx2"/>
+                </a:solidFill>
+              </a:defRPr>
+            </a:lvl6pPr>
+            <a:lvl7pPr eaLnBrk="1" hangingPunct="1">
+              <a:defRPr>
+                <a:solidFill>
+                  <a:schemeClr val="tx2"/>
+                </a:solidFill>
+              </a:defRPr>
+            </a:lvl7pPr>
+            <a:lvl8pPr eaLnBrk="1" hangingPunct="1">
+              <a:defRPr>
+                <a:solidFill>
+                  <a:schemeClr val="tx2"/>
+                </a:solidFill>
+              </a:defRPr>
+            </a:lvl8pPr>
+            <a:lvl9pPr eaLnBrk="1" hangingPunct="1">
+              <a:defRPr>
+                <a:solidFill>
+                  <a:schemeClr val="tx2"/>
+                </a:solidFill>
+              </a:defRPr>
+            </a:lvl9pPr>
+          </a:lstStyle>
+          <a:p>
+            <a:pPr algn="ctr"/>
+            <a:r>
+              <a:rPr lang="bg-BG" dirty="0">
+                <a:solidFill>
+                  <a:schemeClr val="bg1"/>
+                </a:solidFill>
+                <a:latin typeface="Arial" panose="020B0604020202020204" pitchFamily="34" charset="0"/>
+                <a:cs typeface="Arial" panose="020B0604020202020204" pitchFamily="34" charset="0"/>
+              </a:rPr>
+              <a:t>Как работи</a:t>
+            </a:r>
+            <a:r>
+              <a:rPr lang="en-US" dirty="0">
+                <a:solidFill>
+                  <a:schemeClr val="bg1"/>
+                </a:solidFill>
+                <a:latin typeface="Arial" panose="020B0604020202020204" pitchFamily="34" charset="0"/>
+                <a:cs typeface="Arial" panose="020B0604020202020204" pitchFamily="34" charset="0"/>
+              </a:rPr>
+              <a:t> Git?</a:t>
+            </a:r>
+            <a:endParaRPr lang="bg-BG" dirty="0">
+              <a:solidFill>
+                <a:schemeClr val="bg1"/>
+              </a:solidFill>
+              <a:latin typeface="Arial" panose="020B0604020202020204" pitchFamily="34" charset="0"/>
+              <a:cs typeface="Arial" panose="020B0604020202020204" pitchFamily="34" charset="0"/>
+            </a:endParaRPr>
+          </a:p>
+        </p:txBody>
+      </p:sp>
+    </p:spTree>
+    <p:extLst>
+      <p:ext uri="{BB962C8B-B14F-4D97-AF65-F5344CB8AC3E}">
+        <p14:creationId xmlns:p14="http://schemas.microsoft.com/office/powerpoint/2010/main" val="1744540053"/>
+      </p:ext>
+    </p:extLst>
+  </p:cSld>
+  <p:clrMapOvr>
+    <a:masterClrMapping/>
+  </p:clrMapOvr>
+</p:sld>
+</file>
+
+<file path=ppt/slides/slide15.xml><?xml version="1.0" encoding="utf-8"?>
+<p:sld xmlns:a="http://schemas.openxmlformats.org/drawingml/2006/main" xmlns:r="http://schemas.openxmlformats.org/officeDocument/2006/relationships" xmlns:p="http://schemas.openxmlformats.org/presentationml/2006/main">
+  <p:cSld>
+    <p:spTree>
+      <p:nvGrpSpPr>
+        <p:cNvPr id="1" name=""/>
+        <p:cNvGrpSpPr/>
+        <p:nvPr/>
+      </p:nvGrpSpPr>
+      <p:grpSpPr>
+        <a:xfrm>
+          <a:off x="0" y="0"/>
+          <a:ext cx="0" cy="0"/>
+          <a:chOff x="0" y="0"/>
+          <a:chExt cx="0" cy="0"/>
+        </a:xfrm>
+      </p:grpSpPr>
+      <p:sp>
+        <p:nvSpPr>
+          <p:cNvPr id="2" name="Title 1">
+            <a:extLst>
+              <a:ext uri="{FF2B5EF4-FFF2-40B4-BE49-F238E27FC236}">
+                <a16:creationId xmlns:a16="http://schemas.microsoft.com/office/drawing/2014/main" id="{2D8D3B8C-988A-5DB5-ED96-17C1C0471741}"/>
+              </a:ext>
+            </a:extLst>
+          </p:cNvPr>
+          <p:cNvSpPr>
+            <a:spLocks noGrp="1"/>
+          </p:cNvSpPr>
+          <p:nvPr>
+            <p:ph type="title"/>
+          </p:nvPr>
+        </p:nvSpPr>
+        <p:spPr/>
+        <p:txBody>
+          <a:bodyPr/>
+          <a:lstStyle/>
+          <a:p>
+            <a:pPr algn="ctr"/>
+            <a:r>
+              <a:rPr lang="bg-BG" dirty="0">
+                <a:solidFill>
+                  <a:schemeClr val="bg1"/>
+                </a:solidFill>
+                <a:latin typeface="Arial" panose="020B0604020202020204" pitchFamily="34" charset="0"/>
+                <a:cs typeface="Arial" panose="020B0604020202020204" pitchFamily="34" charset="0"/>
+              </a:rPr>
+              <a:t>Създаване на </a:t>
+            </a:r>
+            <a:r>
+              <a:rPr lang="en-US" dirty="0">
+                <a:solidFill>
+                  <a:schemeClr val="bg1"/>
+                </a:solidFill>
+                <a:latin typeface="Arial" panose="020B0604020202020204" pitchFamily="34" charset="0"/>
+                <a:cs typeface="Arial" panose="020B0604020202020204" pitchFamily="34" charset="0"/>
+              </a:rPr>
+              <a:t>repository</a:t>
+            </a:r>
+            <a:endParaRPr lang="bg-BG" dirty="0">
+              <a:solidFill>
+                <a:schemeClr val="bg1"/>
+              </a:solidFill>
+              <a:latin typeface="Arial" panose="020B0604020202020204" pitchFamily="34" charset="0"/>
+              <a:cs typeface="Arial" panose="020B0604020202020204" pitchFamily="34" charset="0"/>
+            </a:endParaRPr>
+          </a:p>
+        </p:txBody>
+      </p:sp>
+      <p:sp>
+        <p:nvSpPr>
+          <p:cNvPr id="3" name="Content Placeholder 2">
+            <a:extLst>
+              <a:ext uri="{FF2B5EF4-FFF2-40B4-BE49-F238E27FC236}">
+                <a16:creationId xmlns:a16="http://schemas.microsoft.com/office/drawing/2014/main" id="{461DD12D-91CC-5BC9-13D6-5564681B0DFC}"/>
+              </a:ext>
+            </a:extLst>
+          </p:cNvPr>
+          <p:cNvSpPr>
+            <a:spLocks noGrp="1"/>
+          </p:cNvSpPr>
+          <p:nvPr>
+            <p:ph idx="1"/>
+          </p:nvPr>
+        </p:nvSpPr>
+        <p:spPr>
+          <a:xfrm>
+            <a:off x="1154955" y="2603500"/>
+            <a:ext cx="8761412" cy="2759075"/>
+          </a:xfrm>
+        </p:spPr>
+        <p:txBody>
+          <a:bodyPr/>
+          <a:lstStyle/>
+          <a:p>
+            <a:r>
+              <a:rPr lang="en-US" b="1" dirty="0">
+                <a:latin typeface="Arial" panose="020B0604020202020204" pitchFamily="34" charset="0"/>
+                <a:cs typeface="Arial" panose="020B0604020202020204" pitchFamily="34" charset="0"/>
+              </a:rPr>
+              <a:t>Repository</a:t>
+            </a:r>
+            <a:r>
+              <a:rPr lang="en-US" dirty="0">
+                <a:latin typeface="Arial" panose="020B0604020202020204" pitchFamily="34" charset="0"/>
+                <a:cs typeface="Arial" panose="020B0604020202020204" pitchFamily="34" charset="0"/>
+              </a:rPr>
+              <a:t> </a:t>
+            </a:r>
+            <a:r>
+              <a:rPr lang="bg-BG" dirty="0">
+                <a:latin typeface="Arial" panose="020B0604020202020204" pitchFamily="34" charset="0"/>
+                <a:cs typeface="Arial" panose="020B0604020202020204" pitchFamily="34" charset="0"/>
+              </a:rPr>
+              <a:t>се създава с командата: </a:t>
+            </a:r>
+            <a:r>
+              <a:rPr lang="en-US" b="1" dirty="0">
+                <a:latin typeface="Arial" panose="020B0604020202020204" pitchFamily="34" charset="0"/>
+                <a:cs typeface="Arial" panose="020B0604020202020204" pitchFamily="34" charset="0"/>
+              </a:rPr>
+              <a:t>git </a:t>
+            </a:r>
+            <a:r>
+              <a:rPr lang="en-US" b="1" dirty="0" err="1">
+                <a:latin typeface="Arial" panose="020B0604020202020204" pitchFamily="34" charset="0"/>
+                <a:cs typeface="Arial" panose="020B0604020202020204" pitchFamily="34" charset="0"/>
+              </a:rPr>
+              <a:t>init</a:t>
+            </a:r>
+            <a:endParaRPr lang="en-US" b="1" dirty="0">
+              <a:latin typeface="Arial" panose="020B0604020202020204" pitchFamily="34" charset="0"/>
+              <a:cs typeface="Arial" panose="020B0604020202020204" pitchFamily="34" charset="0"/>
+            </a:endParaRPr>
+          </a:p>
+          <a:p>
+            <a:endParaRPr lang="en-US" b="1" dirty="0">
+              <a:latin typeface="Arial" panose="020B0604020202020204" pitchFamily="34" charset="0"/>
+              <a:cs typeface="Arial" panose="020B0604020202020204" pitchFamily="34" charset="0"/>
+            </a:endParaRPr>
+          </a:p>
+          <a:p>
+            <a:r>
+              <a:rPr lang="bg-BG" b="1" i="1" u="sng" dirty="0">
+                <a:latin typeface="Arial" panose="020B0604020202020204" pitchFamily="34" charset="0"/>
+                <a:cs typeface="Arial" panose="020B0604020202020204" pitchFamily="34" charset="0"/>
+              </a:rPr>
+              <a:t>Бележка: </a:t>
+            </a:r>
+            <a:r>
+              <a:rPr lang="bg-BG" dirty="0">
+                <a:latin typeface="Arial" panose="020B0604020202020204" pitchFamily="34" charset="0"/>
+                <a:cs typeface="Arial" panose="020B0604020202020204" pitchFamily="34" charset="0"/>
+              </a:rPr>
+              <a:t>Трябва да сте в топ директорията на проекта ви, когато използвате тази команда.</a:t>
+            </a:r>
+          </a:p>
+          <a:p>
+            <a:endParaRPr lang="bg-BG" dirty="0">
+              <a:latin typeface="Arial" panose="020B0604020202020204" pitchFamily="34" charset="0"/>
+              <a:cs typeface="Arial" panose="020B0604020202020204" pitchFamily="34" charset="0"/>
+            </a:endParaRPr>
+          </a:p>
+          <a:p>
+            <a:r>
+              <a:rPr lang="bg-BG" b="1" i="1" u="sng" dirty="0">
+                <a:latin typeface="Arial" panose="020B0604020202020204" pitchFamily="34" charset="0"/>
+                <a:cs typeface="Arial" panose="020B0604020202020204" pitchFamily="34" charset="0"/>
+              </a:rPr>
+              <a:t>Бележка : </a:t>
+            </a:r>
+            <a:r>
+              <a:rPr lang="bg-BG" dirty="0">
+                <a:latin typeface="Arial" panose="020B0604020202020204" pitchFamily="34" charset="0"/>
+                <a:cs typeface="Arial" panose="020B0604020202020204" pitchFamily="34" charset="0"/>
+              </a:rPr>
+              <a:t>Може да инициализирате както празно </a:t>
+            </a:r>
+            <a:r>
+              <a:rPr lang="en-US" dirty="0">
+                <a:latin typeface="Arial" panose="020B0604020202020204" pitchFamily="34" charset="0"/>
+                <a:cs typeface="Arial" panose="020B0604020202020204" pitchFamily="34" charset="0"/>
+              </a:rPr>
+              <a:t>repository</a:t>
+            </a:r>
+            <a:r>
+              <a:rPr lang="bg-BG" dirty="0">
+                <a:latin typeface="Arial" panose="020B0604020202020204" pitchFamily="34" charset="0"/>
+                <a:cs typeface="Arial" panose="020B0604020202020204" pitchFamily="34" charset="0"/>
+              </a:rPr>
+              <a:t> (без никакви налични файлове), така и </a:t>
+            </a:r>
+            <a:r>
+              <a:rPr lang="en-US" dirty="0">
+                <a:latin typeface="Arial" panose="020B0604020202020204" pitchFamily="34" charset="0"/>
+                <a:cs typeface="Arial" panose="020B0604020202020204" pitchFamily="34" charset="0"/>
+              </a:rPr>
+              <a:t>repository</a:t>
+            </a:r>
+            <a:r>
+              <a:rPr lang="bg-BG" dirty="0">
+                <a:latin typeface="Arial" panose="020B0604020202020204" pitchFamily="34" charset="0"/>
+                <a:cs typeface="Arial" panose="020B0604020202020204" pitchFamily="34" charset="0"/>
+              </a:rPr>
+              <a:t> за вече създаден проект.</a:t>
+            </a:r>
+          </a:p>
+        </p:txBody>
+      </p:sp>
+    </p:spTree>
+    <p:extLst>
+      <p:ext uri="{BB962C8B-B14F-4D97-AF65-F5344CB8AC3E}">
+        <p14:creationId xmlns:p14="http://schemas.microsoft.com/office/powerpoint/2010/main" val="1026889992"/>
+      </p:ext>
+    </p:extLst>
+  </p:cSld>
+  <p:clrMapOvr>
+    <a:masterClrMapping/>
+  </p:clrMapOvr>
+</p:sld>
+</file>
+
+<file path=ppt/slides/slide16.xml><?xml version="1.0" encoding="utf-8"?>
+<p:sld xmlns:a="http://schemas.openxmlformats.org/drawingml/2006/main" xmlns:r="http://schemas.openxmlformats.org/officeDocument/2006/relationships" xmlns:p="http://schemas.openxmlformats.org/presentationml/2006/main">
+  <p:cSld>
+    <p:spTree>
+      <p:nvGrpSpPr>
+        <p:cNvPr id="1" name=""/>
+        <p:cNvGrpSpPr/>
+        <p:nvPr/>
+      </p:nvGrpSpPr>
+      <p:grpSpPr>
+        <a:xfrm>
+          <a:off x="0" y="0"/>
+          <a:ext cx="0" cy="0"/>
+          <a:chOff x="0" y="0"/>
+          <a:chExt cx="0" cy="0"/>
+        </a:xfrm>
+      </p:grpSpPr>
+      <p:sp>
+        <p:nvSpPr>
+          <p:cNvPr id="2" name="Title 1">
+            <a:extLst>
+              <a:ext uri="{FF2B5EF4-FFF2-40B4-BE49-F238E27FC236}">
+                <a16:creationId xmlns:a16="http://schemas.microsoft.com/office/drawing/2014/main" id="{14DC1B03-9474-774B-7F0C-D8560F298746}"/>
+              </a:ext>
+            </a:extLst>
+          </p:cNvPr>
+          <p:cNvSpPr>
+            <a:spLocks noGrp="1"/>
+          </p:cNvSpPr>
+          <p:nvPr>
+            <p:ph type="title"/>
+          </p:nvPr>
+        </p:nvSpPr>
+        <p:spPr/>
+        <p:txBody>
+          <a:bodyPr/>
+          <a:lstStyle/>
+          <a:p>
+            <a:pPr algn="ctr"/>
+            <a:r>
+              <a:rPr lang="en-US" dirty="0">
+                <a:solidFill>
+                  <a:schemeClr val="bg1"/>
+                </a:solidFill>
+                <a:latin typeface="Arial" panose="020B0604020202020204" pitchFamily="34" charset="0"/>
+                <a:cs typeface="Arial" panose="020B0604020202020204" pitchFamily="34" charset="0"/>
+              </a:rPr>
+              <a:t>Git </a:t>
+            </a:r>
+            <a:r>
+              <a:rPr lang="bg-BG" dirty="0">
+                <a:solidFill>
+                  <a:schemeClr val="bg1"/>
+                </a:solidFill>
+                <a:latin typeface="Arial" panose="020B0604020202020204" pitchFamily="34" charset="0"/>
+                <a:cs typeface="Arial" panose="020B0604020202020204" pitchFamily="34" charset="0"/>
+              </a:rPr>
+              <a:t>начална конфигурация</a:t>
+            </a:r>
+          </a:p>
+        </p:txBody>
+      </p:sp>
+      <p:sp>
+        <p:nvSpPr>
+          <p:cNvPr id="3" name="Content Placeholder 2">
+            <a:extLst>
+              <a:ext uri="{FF2B5EF4-FFF2-40B4-BE49-F238E27FC236}">
+                <a16:creationId xmlns:a16="http://schemas.microsoft.com/office/drawing/2014/main" id="{E32551F0-4899-1C15-9320-85F8A2189FA0}"/>
+              </a:ext>
+            </a:extLst>
+          </p:cNvPr>
+          <p:cNvSpPr>
+            <a:spLocks noGrp="1"/>
+          </p:cNvSpPr>
+          <p:nvPr>
+            <p:ph idx="1"/>
+          </p:nvPr>
+        </p:nvSpPr>
+        <p:spPr>
+          <a:xfrm>
+            <a:off x="1154955" y="2603500"/>
+            <a:ext cx="8761412" cy="3825875"/>
+          </a:xfrm>
+        </p:spPr>
+        <p:txBody>
+          <a:bodyPr/>
+          <a:lstStyle/>
+          <a:p>
+            <a:r>
+              <a:rPr lang="bg-BG" dirty="0">
+                <a:latin typeface="Arial" panose="020B0604020202020204" pitchFamily="34" charset="0"/>
+                <a:cs typeface="Arial" panose="020B0604020202020204" pitchFamily="34" charset="0"/>
+              </a:rPr>
+              <a:t>Конфигуриране на </a:t>
+            </a:r>
+            <a:r>
+              <a:rPr lang="en-US" b="1" dirty="0">
+                <a:latin typeface="Arial" panose="020B0604020202020204" pitchFamily="34" charset="0"/>
+                <a:cs typeface="Arial" panose="020B0604020202020204" pitchFamily="34" charset="0"/>
+              </a:rPr>
+              <a:t>email</a:t>
+            </a:r>
+            <a:r>
+              <a:rPr lang="en-US" dirty="0">
+                <a:latin typeface="Arial" panose="020B0604020202020204" pitchFamily="34" charset="0"/>
+                <a:cs typeface="Arial" panose="020B0604020202020204" pitchFamily="34" charset="0"/>
+              </a:rPr>
+              <a:t> </a:t>
+            </a:r>
+            <a:r>
+              <a:rPr lang="bg-BG" dirty="0">
+                <a:latin typeface="Arial" panose="020B0604020202020204" pitchFamily="34" charset="0"/>
+                <a:cs typeface="Arial" panose="020B0604020202020204" pitchFamily="34" charset="0"/>
+              </a:rPr>
+              <a:t>и </a:t>
+            </a:r>
+            <a:r>
+              <a:rPr lang="en-US" b="1" dirty="0">
+                <a:latin typeface="Arial" panose="020B0604020202020204" pitchFamily="34" charset="0"/>
+                <a:cs typeface="Arial" panose="020B0604020202020204" pitchFamily="34" charset="0"/>
+              </a:rPr>
+              <a:t>username</a:t>
+            </a:r>
+            <a:r>
+              <a:rPr lang="en-US" dirty="0">
+                <a:latin typeface="Arial" panose="020B0604020202020204" pitchFamily="34" charset="0"/>
+                <a:cs typeface="Arial" panose="020B0604020202020204" pitchFamily="34" charset="0"/>
+              </a:rPr>
+              <a:t> </a:t>
+            </a:r>
+            <a:r>
+              <a:rPr lang="en-US" dirty="0">
+                <a:solidFill>
+                  <a:srgbClr val="C00000"/>
+                </a:solidFill>
+                <a:latin typeface="Arial" panose="020B0604020202020204" pitchFamily="34" charset="0"/>
+                <a:cs typeface="Arial" panose="020B0604020202020204" pitchFamily="34" charset="0"/>
+              </a:rPr>
+              <a:t>globally</a:t>
+            </a:r>
+            <a:r>
+              <a:rPr lang="bg-BG" dirty="0">
+                <a:solidFill>
+                  <a:srgbClr val="C00000"/>
+                </a:solidFill>
+                <a:latin typeface="Arial" panose="020B0604020202020204" pitchFamily="34" charset="0"/>
+                <a:cs typeface="Arial" panose="020B0604020202020204" pitchFamily="34" charset="0"/>
+              </a:rPr>
+              <a:t>, </a:t>
+            </a:r>
+            <a:r>
+              <a:rPr lang="bg-BG" dirty="0">
+                <a:solidFill>
+                  <a:schemeClr val="tx1"/>
+                </a:solidFill>
+                <a:latin typeface="Arial" panose="020B0604020202020204" pitchFamily="34" charset="0"/>
+                <a:cs typeface="Arial" panose="020B0604020202020204" pitchFamily="34" charset="0"/>
+              </a:rPr>
+              <a:t>което значи, че този имейл и това потребителско име важат за всички ваши </a:t>
+            </a:r>
+            <a:r>
+              <a:rPr lang="en-US" dirty="0">
+                <a:solidFill>
+                  <a:schemeClr val="tx1"/>
+                </a:solidFill>
+                <a:latin typeface="Arial" panose="020B0604020202020204" pitchFamily="34" charset="0"/>
+                <a:cs typeface="Arial" panose="020B0604020202020204" pitchFamily="34" charset="0"/>
+              </a:rPr>
+              <a:t>repository</a:t>
+            </a:r>
+            <a:r>
+              <a:rPr lang="bg-BG" dirty="0">
+                <a:solidFill>
+                  <a:schemeClr val="tx1"/>
+                </a:solidFill>
+                <a:latin typeface="Arial" panose="020B0604020202020204" pitchFamily="34" charset="0"/>
+                <a:cs typeface="Arial" panose="020B0604020202020204" pitchFamily="34" charset="0"/>
+              </a:rPr>
+              <a:t>-та</a:t>
+            </a:r>
+            <a:r>
+              <a:rPr lang="en-US" dirty="0">
+                <a:latin typeface="Arial" panose="020B0604020202020204" pitchFamily="34" charset="0"/>
+                <a:cs typeface="Arial" panose="020B0604020202020204" pitchFamily="34" charset="0"/>
+              </a:rPr>
+              <a:t>:</a:t>
+            </a:r>
+          </a:p>
+          <a:p>
+            <a:pPr marL="0" indent="0">
+              <a:buNone/>
+            </a:pPr>
+            <a:endParaRPr lang="en-US" dirty="0">
+              <a:latin typeface="Arial" panose="020B0604020202020204" pitchFamily="34" charset="0"/>
+              <a:cs typeface="Arial" panose="020B0604020202020204" pitchFamily="34" charset="0"/>
+            </a:endParaRPr>
+          </a:p>
+          <a:p>
+            <a:r>
+              <a:rPr lang="en-US" b="1" dirty="0">
+                <a:latin typeface="Arial" panose="020B0604020202020204" pitchFamily="34" charset="0"/>
+                <a:cs typeface="Arial" panose="020B0604020202020204" pitchFamily="34" charset="0"/>
+              </a:rPr>
+              <a:t>git config --global user.name "</a:t>
+            </a:r>
+            <a:r>
+              <a:rPr lang="en-US" b="1" dirty="0">
+                <a:solidFill>
+                  <a:srgbClr val="C00000"/>
+                </a:solidFill>
+                <a:latin typeface="Arial" panose="020B0604020202020204" pitchFamily="34" charset="0"/>
+                <a:cs typeface="Arial" panose="020B0604020202020204" pitchFamily="34" charset="0"/>
+              </a:rPr>
+              <a:t>Your Name</a:t>
+            </a:r>
+            <a:r>
+              <a:rPr lang="en-US" b="1" dirty="0">
+                <a:latin typeface="Arial" panose="020B0604020202020204" pitchFamily="34" charset="0"/>
+                <a:cs typeface="Arial" panose="020B0604020202020204" pitchFamily="34" charset="0"/>
+              </a:rPr>
+              <a:t>“</a:t>
+            </a:r>
+          </a:p>
+          <a:p>
+            <a:r>
+              <a:rPr lang="en-US" b="1" dirty="0">
+                <a:latin typeface="Arial" panose="020B0604020202020204" pitchFamily="34" charset="0"/>
+                <a:cs typeface="Arial" panose="020B0604020202020204" pitchFamily="34" charset="0"/>
+              </a:rPr>
+              <a:t>git config --global </a:t>
+            </a:r>
+            <a:r>
+              <a:rPr lang="en-US" b="1" dirty="0" err="1">
+                <a:latin typeface="Arial" panose="020B0604020202020204" pitchFamily="34" charset="0"/>
+                <a:cs typeface="Arial" panose="020B0604020202020204" pitchFamily="34" charset="0"/>
+              </a:rPr>
+              <a:t>user.email</a:t>
+            </a:r>
+            <a:r>
+              <a:rPr lang="en-US" b="1" dirty="0">
+                <a:latin typeface="Arial" panose="020B0604020202020204" pitchFamily="34" charset="0"/>
+                <a:cs typeface="Arial" panose="020B0604020202020204" pitchFamily="34" charset="0"/>
+              </a:rPr>
+              <a:t> </a:t>
+            </a:r>
+            <a:r>
+              <a:rPr lang="en-US" b="1" dirty="0">
+                <a:solidFill>
+                  <a:srgbClr val="C00000"/>
+                </a:solidFill>
+                <a:latin typeface="Arial" panose="020B0604020202020204" pitchFamily="34" charset="0"/>
+                <a:cs typeface="Arial" panose="020B0604020202020204" pitchFamily="34" charset="0"/>
+                <a:hlinkClick r:id="rId2">
+                  <a:extLst>
+                    <a:ext uri="{A12FA001-AC4F-418D-AE19-62706E023703}">
+                      <ahyp:hlinkClr xmlns:ahyp="http://schemas.microsoft.com/office/drawing/2018/hyperlinkcolor" val="tx"/>
+                    </a:ext>
+                  </a:extLst>
+                </a:hlinkClick>
+              </a:rPr>
+              <a:t>your-email@example.com</a:t>
+            </a:r>
+            <a:endParaRPr lang="en-US" b="1" dirty="0">
+              <a:solidFill>
+                <a:srgbClr val="C00000"/>
+              </a:solidFill>
+              <a:latin typeface="Arial" panose="020B0604020202020204" pitchFamily="34" charset="0"/>
+              <a:cs typeface="Arial" panose="020B0604020202020204" pitchFamily="34" charset="0"/>
+            </a:endParaRPr>
+          </a:p>
+          <a:p>
+            <a:endParaRPr lang="en-US" b="1" dirty="0">
+              <a:latin typeface="Arial" panose="020B0604020202020204" pitchFamily="34" charset="0"/>
+              <a:cs typeface="Arial" panose="020B0604020202020204" pitchFamily="34" charset="0"/>
+            </a:endParaRPr>
+          </a:p>
+          <a:p>
+            <a:endParaRPr lang="en-US" b="1" dirty="0">
+              <a:latin typeface="Arial" panose="020B0604020202020204" pitchFamily="34" charset="0"/>
+              <a:cs typeface="Arial" panose="020B0604020202020204" pitchFamily="34" charset="0"/>
+            </a:endParaRPr>
+          </a:p>
+          <a:p>
+            <a:r>
+              <a:rPr lang="bg-BG" b="1" i="1" u="sng" dirty="0">
+                <a:latin typeface="Arial" panose="020B0604020202020204" pitchFamily="34" charset="0"/>
+                <a:cs typeface="Arial" panose="020B0604020202020204" pitchFamily="34" charset="0"/>
+              </a:rPr>
+              <a:t>Бележка</a:t>
+            </a:r>
+            <a:r>
+              <a:rPr lang="bg-BG" dirty="0">
+                <a:latin typeface="Arial" panose="020B0604020202020204" pitchFamily="34" charset="0"/>
+                <a:cs typeface="Arial" panose="020B0604020202020204" pitchFamily="34" charset="0"/>
+              </a:rPr>
+              <a:t>: Може да конфигурирате и конкретно </a:t>
+            </a:r>
+            <a:r>
+              <a:rPr lang="en-US" dirty="0">
+                <a:latin typeface="Arial" panose="020B0604020202020204" pitchFamily="34" charset="0"/>
+                <a:cs typeface="Arial" panose="020B0604020202020204" pitchFamily="34" charset="0"/>
+              </a:rPr>
+              <a:t>repository </a:t>
+            </a:r>
+            <a:r>
+              <a:rPr lang="bg-BG" dirty="0">
+                <a:latin typeface="Arial" panose="020B0604020202020204" pitchFamily="34" charset="0"/>
+                <a:cs typeface="Arial" panose="020B0604020202020204" pitchFamily="34" charset="0"/>
+              </a:rPr>
+              <a:t>да работи с други имейл и парола.</a:t>
+            </a:r>
+            <a:endParaRPr lang="en-US" dirty="0">
+              <a:latin typeface="Arial" panose="020B0604020202020204" pitchFamily="34" charset="0"/>
+              <a:cs typeface="Arial" panose="020B0604020202020204" pitchFamily="34" charset="0"/>
+            </a:endParaRPr>
+          </a:p>
+          <a:p>
+            <a:endParaRPr lang="en-US" dirty="0"/>
+          </a:p>
+        </p:txBody>
+      </p:sp>
+    </p:spTree>
+    <p:extLst>
+      <p:ext uri="{BB962C8B-B14F-4D97-AF65-F5344CB8AC3E}">
+        <p14:creationId xmlns:p14="http://schemas.microsoft.com/office/powerpoint/2010/main" val="2079505325"/>
+      </p:ext>
+    </p:extLst>
+  </p:cSld>
+  <p:clrMapOvr>
+    <a:masterClrMapping/>
+  </p:clrMapOvr>
+</p:sld>
+</file>
+
 <file path=ppt/slides/slide2.xml><?xml version="1.0" encoding="utf-8"?>
 <p:sld xmlns:a="http://schemas.openxmlformats.org/drawingml/2006/main" xmlns:r="http://schemas.openxmlformats.org/officeDocument/2006/relationships" xmlns:p="http://schemas.openxmlformats.org/presentationml/2006/main">
   <p:cSld>
@@ -15075,12 +16314,12 @@
         <p:spPr>
           <a:xfrm>
             <a:off x="1154955" y="2603500"/>
-            <a:ext cx="8761412" cy="3725582"/>
+            <a:ext cx="8761412" cy="3912630"/>
           </a:xfrm>
         </p:spPr>
         <p:txBody>
           <a:bodyPr>
-            <a:normAutofit fontScale="92500" lnSpcReduction="10000"/>
+            <a:normAutofit fontScale="92500" lnSpcReduction="20000"/>
           </a:bodyPr>
           <a:lstStyle/>
           <a:p>
@@ -15089,127 +16328,159 @@
                 <a:latin typeface="Arial" panose="020B0604020202020204" pitchFamily="34" charset="0"/>
                 <a:cs typeface="Arial" panose="020B0604020202020204" pitchFamily="34" charset="0"/>
               </a:rPr>
-              <a:t>След този курс ще имате основни познания за работа с </a:t>
+              <a:t>След този курс ще имате профил в </a:t>
             </a:r>
             <a:r>
               <a:rPr lang="en-US" dirty="0">
                 <a:latin typeface="Arial" panose="020B0604020202020204" pitchFamily="34" charset="0"/>
                 <a:cs typeface="Arial" panose="020B0604020202020204" pitchFamily="34" charset="0"/>
               </a:rPr>
-              <a:t>git </a:t>
-            </a:r>
-            <a:r>
-              <a:rPr lang="bg-BG" dirty="0">
-                <a:latin typeface="Arial" panose="020B0604020202020204" pitchFamily="34" charset="0"/>
-                <a:cs typeface="Arial" panose="020B0604020202020204" pitchFamily="34" charset="0"/>
-              </a:rPr>
-              <a:t>и </a:t>
-            </a:r>
-            <a:r>
-              <a:rPr lang="en-US" dirty="0">
-                <a:latin typeface="Arial" panose="020B0604020202020204" pitchFamily="34" charset="0"/>
-                <a:cs typeface="Arial" panose="020B0604020202020204" pitchFamily="34" charset="0"/>
-              </a:rPr>
-              <a:t>GitHub </a:t>
-            </a:r>
-            <a:r>
-              <a:rPr lang="bg-BG" dirty="0">
-                <a:latin typeface="Arial" panose="020B0604020202020204" pitchFamily="34" charset="0"/>
-                <a:cs typeface="Arial" panose="020B0604020202020204" pitchFamily="34" charset="0"/>
-              </a:rPr>
-              <a:t>и ще можете пълноценно да правите ваши собствени </a:t>
-            </a:r>
-            <a:r>
-              <a:rPr lang="en-US" dirty="0">
-                <a:latin typeface="Arial" panose="020B0604020202020204" pitchFamily="34" charset="0"/>
-                <a:cs typeface="Arial" panose="020B0604020202020204" pitchFamily="34" charset="0"/>
-              </a:rPr>
-              <a:t>repository</a:t>
-            </a:r>
-            <a:r>
-              <a:rPr lang="bg-BG" dirty="0">
-                <a:latin typeface="Arial" panose="020B0604020202020204" pitchFamily="34" charset="0"/>
-                <a:cs typeface="Arial" panose="020B0604020202020204" pitchFamily="34" charset="0"/>
-              </a:rPr>
-              <a:t>-та и да ги управлявате пълноценно.</a:t>
-            </a:r>
-          </a:p>
-          <a:p>
-            <a:r>
-              <a:rPr lang="bg-BG" dirty="0">
-                <a:latin typeface="Arial" panose="020B0604020202020204" pitchFamily="34" charset="0"/>
-                <a:cs typeface="Arial" panose="020B0604020202020204" pitchFamily="34" charset="0"/>
-              </a:rPr>
-              <a:t>След този курс ще можете да участвате в работния процес във вашата фирма (компания) относно работата с </a:t>
-            </a:r>
-            <a:r>
-              <a:rPr lang="en-US" dirty="0">
-                <a:latin typeface="Arial" panose="020B0604020202020204" pitchFamily="34" charset="0"/>
-                <a:cs typeface="Arial" panose="020B0604020202020204" pitchFamily="34" charset="0"/>
-              </a:rPr>
-              <a:t>Git</a:t>
-            </a:r>
-          </a:p>
-          <a:p>
-            <a:r>
-              <a:rPr lang="bg-BG" dirty="0">
-                <a:latin typeface="Arial" panose="020B0604020202020204" pitchFamily="34" charset="0"/>
-                <a:cs typeface="Arial" panose="020B0604020202020204" pitchFamily="34" charset="0"/>
-              </a:rPr>
-              <a:t>След този курс ще можете да участвате в колаборации с други разработчици и да споделяте код</a:t>
-            </a:r>
-          </a:p>
-          <a:p>
-            <a:r>
-              <a:rPr lang="bg-BG" dirty="0">
-                <a:latin typeface="Arial" panose="020B0604020202020204" pitchFamily="34" charset="0"/>
-                <a:cs typeface="Arial" panose="020B0604020202020204" pitchFamily="34" charset="0"/>
-              </a:rPr>
-              <a:t>След този курс ще знаете някои добри практики, които се прилагат в индустрията</a:t>
-            </a:r>
-          </a:p>
-          <a:p>
-            <a:r>
-              <a:rPr lang="bg-BG" dirty="0">
-                <a:latin typeface="Arial" panose="020B0604020202020204" pitchFamily="34" charset="0"/>
-                <a:cs typeface="Arial" panose="020B0604020202020204" pitchFamily="34" charset="0"/>
-              </a:rPr>
-              <a:t>След този курс ще започнете да използвате </a:t>
-            </a:r>
-            <a:r>
-              <a:rPr lang="en-US" dirty="0">
-                <a:latin typeface="Arial" panose="020B0604020202020204" pitchFamily="34" charset="0"/>
-                <a:cs typeface="Arial" panose="020B0604020202020204" pitchFamily="34" charset="0"/>
-              </a:rPr>
-              <a:t>git </a:t>
-            </a:r>
-            <a:r>
-              <a:rPr lang="bg-BG" dirty="0">
-                <a:latin typeface="Arial" panose="020B0604020202020204" pitchFamily="34" charset="0"/>
-                <a:cs typeface="Arial" panose="020B0604020202020204" pitchFamily="34" charset="0"/>
-              </a:rPr>
-              <a:t>за всеки ваш проект, независимо дали е свързан с програмиране или създаване на обикновени файлове.</a:t>
-            </a:r>
-          </a:p>
-          <a:p>
-            <a:r>
-              <a:rPr lang="bg-BG" dirty="0">
-                <a:latin typeface="Arial" panose="020B0604020202020204" pitchFamily="34" charset="0"/>
-                <a:cs typeface="Arial" panose="020B0604020202020204" pitchFamily="34" charset="0"/>
-              </a:rPr>
-              <a:t>След този курс ще се влюбите в </a:t>
-            </a:r>
-            <a:r>
-              <a:rPr lang="en-US" dirty="0">
-                <a:latin typeface="Arial" panose="020B0604020202020204" pitchFamily="34" charset="0"/>
-                <a:cs typeface="Arial" panose="020B0604020202020204" pitchFamily="34" charset="0"/>
-              </a:rPr>
-              <a:t>Git</a:t>
+              <a:t>GitHub</a:t>
             </a:r>
             <a:endParaRPr lang="bg-BG" dirty="0">
               <a:latin typeface="Arial" panose="020B0604020202020204" pitchFamily="34" charset="0"/>
               <a:cs typeface="Arial" panose="020B0604020202020204" pitchFamily="34" charset="0"/>
             </a:endParaRPr>
+          </a:p>
+          <a:p>
+            <a:r>
+              <a:rPr lang="bg-BG" dirty="0">
+                <a:latin typeface="Arial" panose="020B0604020202020204" pitchFamily="34" charset="0"/>
+                <a:cs typeface="Arial" panose="020B0604020202020204" pitchFamily="34" charset="0"/>
+              </a:rPr>
+              <a:t>След този курс ще имате основни познания за работа с </a:t>
+            </a:r>
+            <a:r>
+              <a:rPr lang="en-US" dirty="0">
+                <a:latin typeface="Arial" panose="020B0604020202020204" pitchFamily="34" charset="0"/>
+                <a:cs typeface="Arial" panose="020B0604020202020204" pitchFamily="34" charset="0"/>
+              </a:rPr>
+              <a:t>git </a:t>
+            </a:r>
+            <a:r>
+              <a:rPr lang="bg-BG" dirty="0">
+                <a:latin typeface="Arial" panose="020B0604020202020204" pitchFamily="34" charset="0"/>
+                <a:cs typeface="Arial" panose="020B0604020202020204" pitchFamily="34" charset="0"/>
+              </a:rPr>
+              <a:t>и </a:t>
+            </a:r>
+            <a:r>
+              <a:rPr lang="en-US" dirty="0">
+                <a:latin typeface="Arial" panose="020B0604020202020204" pitchFamily="34" charset="0"/>
+                <a:cs typeface="Arial" panose="020B0604020202020204" pitchFamily="34" charset="0"/>
+              </a:rPr>
+              <a:t>GitHub </a:t>
+            </a:r>
+            <a:r>
+              <a:rPr lang="bg-BG" dirty="0">
+                <a:latin typeface="Arial" panose="020B0604020202020204" pitchFamily="34" charset="0"/>
+                <a:cs typeface="Arial" panose="020B0604020202020204" pitchFamily="34" charset="0"/>
+              </a:rPr>
+              <a:t>и ще можете да правите ваши собствени </a:t>
+            </a:r>
+            <a:r>
+              <a:rPr lang="en-US" dirty="0">
+                <a:latin typeface="Arial" panose="020B0604020202020204" pitchFamily="34" charset="0"/>
+                <a:cs typeface="Arial" panose="020B0604020202020204" pitchFamily="34" charset="0"/>
+              </a:rPr>
+              <a:t>repository</a:t>
+            </a:r>
+            <a:r>
+              <a:rPr lang="bg-BG" dirty="0">
+                <a:latin typeface="Arial" panose="020B0604020202020204" pitchFamily="34" charset="0"/>
+                <a:cs typeface="Arial" panose="020B0604020202020204" pitchFamily="34" charset="0"/>
+              </a:rPr>
+              <a:t>-та и да ги управлявате пълноценно.</a:t>
+            </a:r>
+          </a:p>
+          <a:p>
+            <a:r>
+              <a:rPr lang="bg-BG" dirty="0">
+                <a:latin typeface="Arial" panose="020B0604020202020204" pitchFamily="34" charset="0"/>
+                <a:cs typeface="Arial" panose="020B0604020202020204" pitchFamily="34" charset="0"/>
+              </a:rPr>
+              <a:t>След този курс ще можете да участвате в работния процес във вашата фирма (компания) относно работата с </a:t>
+            </a:r>
+            <a:r>
+              <a:rPr lang="en-US" dirty="0">
+                <a:latin typeface="Arial" panose="020B0604020202020204" pitchFamily="34" charset="0"/>
+                <a:cs typeface="Arial" panose="020B0604020202020204" pitchFamily="34" charset="0"/>
+              </a:rPr>
+              <a:t>Git</a:t>
+            </a:r>
+          </a:p>
+          <a:p>
+            <a:r>
+              <a:rPr lang="bg-BG" dirty="0">
+                <a:latin typeface="Arial" panose="020B0604020202020204" pitchFamily="34" charset="0"/>
+                <a:cs typeface="Arial" panose="020B0604020202020204" pitchFamily="34" charset="0"/>
+              </a:rPr>
+              <a:t>След този курс ще можете да участвате в колаборации с други разработчици и да споделяте код</a:t>
+            </a:r>
+          </a:p>
+          <a:p>
+            <a:r>
+              <a:rPr lang="bg-BG" dirty="0">
+                <a:latin typeface="Arial" panose="020B0604020202020204" pitchFamily="34" charset="0"/>
+                <a:cs typeface="Arial" panose="020B0604020202020204" pitchFamily="34" charset="0"/>
+              </a:rPr>
+              <a:t>След този курс ще знаете някои добри практики, които се прилагат в индустрията</a:t>
+            </a:r>
+          </a:p>
+          <a:p>
+            <a:r>
+              <a:rPr lang="bg-BG" dirty="0">
+                <a:latin typeface="Arial" panose="020B0604020202020204" pitchFamily="34" charset="0"/>
+                <a:cs typeface="Arial" panose="020B0604020202020204" pitchFamily="34" charset="0"/>
+              </a:rPr>
+              <a:t>След този курс ще започнете да използвате </a:t>
+            </a:r>
+            <a:r>
+              <a:rPr lang="en-US" dirty="0">
+                <a:latin typeface="Arial" panose="020B0604020202020204" pitchFamily="34" charset="0"/>
+                <a:cs typeface="Arial" panose="020B0604020202020204" pitchFamily="34" charset="0"/>
+              </a:rPr>
+              <a:t>git </a:t>
+            </a:r>
+            <a:r>
+              <a:rPr lang="bg-BG" dirty="0">
+                <a:latin typeface="Arial" panose="020B0604020202020204" pitchFamily="34" charset="0"/>
+                <a:cs typeface="Arial" panose="020B0604020202020204" pitchFamily="34" charset="0"/>
+              </a:rPr>
+              <a:t>за всеки ваш проект, независимо дали е свързан с програмиране или създаване на обикновени файлове.</a:t>
+            </a:r>
+          </a:p>
+          <a:p>
+            <a:r>
+              <a:rPr lang="bg-BG" dirty="0">
+                <a:latin typeface="Arial" panose="020B0604020202020204" pitchFamily="34" charset="0"/>
+                <a:cs typeface="Arial" panose="020B0604020202020204" pitchFamily="34" charset="0"/>
+              </a:rPr>
+              <a:t>След този курс ще се влюбите в </a:t>
+            </a:r>
+            <a:r>
+              <a:rPr lang="en-US" dirty="0">
+                <a:latin typeface="Arial" panose="020B0604020202020204" pitchFamily="34" charset="0"/>
+                <a:cs typeface="Arial" panose="020B0604020202020204" pitchFamily="34" charset="0"/>
+              </a:rPr>
+              <a:t>Git</a:t>
+            </a:r>
+          </a:p>
+          <a:p>
+            <a:r>
+              <a:rPr lang="bg-BG" dirty="0">
+                <a:latin typeface="Arial" panose="020B0604020202020204" pitchFamily="34" charset="0"/>
+                <a:cs typeface="Arial" panose="020B0604020202020204" pitchFamily="34" charset="0"/>
+              </a:rPr>
+              <a:t>След този курс ще се научите да работите с конзолата и с </a:t>
+            </a:r>
+            <a:r>
+              <a:rPr lang="en-US" dirty="0">
+                <a:latin typeface="Arial" panose="020B0604020202020204" pitchFamily="34" charset="0"/>
+                <a:cs typeface="Arial" panose="020B0604020202020204" pitchFamily="34" charset="0"/>
+              </a:rPr>
+              <a:t>GitHub Desktop.</a:t>
+            </a:r>
           </a:p>
           <a:p>
             <a:endParaRPr lang="en-US" dirty="0"/>
@@ -17515,7 +18786,21 @@
                 <a:latin typeface="Arial" panose="020B0604020202020204" pitchFamily="34" charset="0"/>
                 <a:cs typeface="Arial" panose="020B0604020202020204" pitchFamily="34" charset="0"/>
               </a:rPr>
-              <a:t>е дистрибутирана система за управление и контрол на версиите. Широко се използва за управление на изходния код на софтуерни проекти.</a:t>
+              <a:t>е </a:t>
+            </a:r>
+            <a:r>
+              <a:rPr lang="en-US" dirty="0">
+                <a:latin typeface="Arial" panose="020B0604020202020204" pitchFamily="34" charset="0"/>
+                <a:cs typeface="Arial" panose="020B0604020202020204" pitchFamily="34" charset="0"/>
+              </a:rPr>
+              <a:t>open-source </a:t>
+            </a:r>
+            <a:r>
+              <a:rPr lang="bg-BG" dirty="0">
+                <a:latin typeface="Arial" panose="020B0604020202020204" pitchFamily="34" charset="0"/>
+                <a:cs typeface="Arial" panose="020B0604020202020204" pitchFamily="34" charset="0"/>
+              </a:rPr>
+              <a:t>дистрибутирана система за управление и контрол на версиите. Широко се използва за управление на изходния код на софтуерни проекти.</a:t>
             </a:r>
             <a:endParaRPr lang="en-US" dirty="0">
               <a:latin typeface="Arial" panose="020B0604020202020204" pitchFamily="34" charset="0"/>
@@ -17927,28 +19212,14 @@
                 <a:latin typeface="Arial" panose="020B0604020202020204" pitchFamily="34" charset="0"/>
                 <a:cs typeface="Arial" panose="020B0604020202020204" pitchFamily="34" charset="0"/>
               </a:rPr>
-              <a:t>е </a:t>
-            </a:r>
-            <a:r>
-              <a:rPr lang="en-US" dirty="0">
-                <a:latin typeface="Arial" panose="020B0604020202020204" pitchFamily="34" charset="0"/>
-                <a:cs typeface="Arial" panose="020B0604020202020204" pitchFamily="34" charset="0"/>
-              </a:rPr>
-              <a:t>hosting </a:t>
-            </a:r>
-            <a:r>
-              <a:rPr lang="bg-BG" dirty="0">
-                <a:latin typeface="Arial" panose="020B0604020202020204" pitchFamily="34" charset="0"/>
-                <a:cs typeface="Arial" panose="020B0604020202020204" pitchFamily="34" charset="0"/>
-              </a:rPr>
-              <a:t>услуга (уебсайт), който </a:t>
-            </a:r>
-            <a:r>
-              <a:rPr lang="bg-BG" dirty="0" err="1">
-                <a:latin typeface="Arial" panose="020B0604020202020204" pitchFamily="34" charset="0"/>
-                <a:cs typeface="Arial" panose="020B0604020202020204" pitchFamily="34" charset="0"/>
-              </a:rPr>
-              <a:t>хоства</a:t>
+              <a:t>е уеб услуга (уебсайт</a:t>
+            </a:r>
+            <a:r>
+              <a:rPr lang="bg-BG">
+                <a:latin typeface="Arial" panose="020B0604020202020204" pitchFamily="34" charset="0"/>
+                <a:cs typeface="Arial" panose="020B0604020202020204" pitchFamily="34" charset="0"/>
+              </a:rPr>
+              <a:t>), която хоства</a:t>
             </a:r>
             <a:r>
               <a:rPr lang="bg-BG" dirty="0">
@@ -18652,4 +19923,10 @@
     </a:ext>
   </a:extLst>
 </a:theme>
+</file>
+
+<file path=docMetadata/LabelInfo.xml><?xml version="1.0" encoding="utf-8"?>
+<clbl:labelList xmlns:clbl="http://schemas.microsoft.com/office/2020/mipLabelMetadata">
+  <clbl:label id="{78ba2ad2-1b1e-4cec-9ee3-2fdbfa21151f}" enabled="1" method="Privileged" siteId="{8c09d8d5-1d78-4adf-9d10-a13cdacb0929}" contentBits="0" removed="0"/>
+</clbl:labelList>
 </file>
--- a/Git and GitHub.pptx
+++ b/Git and GitHub.pptx
@@ -5,7 +5,7 @@
     <p:sldMasterId id="2147483912" r:id="rId1"/>
   </p:sldMasterIdLst>
   <p:notesMasterIdLst>
-    <p:notesMasterId r:id="rId18"/>
+    <p:notesMasterId r:id="rId25"/>
   </p:notesMasterIdLst>
   <p:sldIdLst>
     <p:sldId id="256" r:id="rId2"/>
@@ -24,6 +24,13 @@
     <p:sldId id="269" r:id="rId15"/>
     <p:sldId id="271" r:id="rId16"/>
     <p:sldId id="270" r:id="rId17"/>
+    <p:sldId id="272" r:id="rId18"/>
+    <p:sldId id="273" r:id="rId19"/>
+    <p:sldId id="274" r:id="rId20"/>
+    <p:sldId id="275" r:id="rId21"/>
+    <p:sldId id="276" r:id="rId22"/>
+    <p:sldId id="277" r:id="rId23"/>
+    <p:sldId id="278" r:id="rId24"/>
   </p:sldIdLst>
   <p:sldSz cx="12192000" cy="6858000"/>
   <p:notesSz cx="6858000" cy="9144000"/>
@@ -212,7 +219,7 @@
           <a:p>
             <a:fld id="{CF7B8F50-96C4-4743-9556-2F218080C5E6}" type="datetimeFigureOut">
               <a:rPr lang="en-US" smtClean="0"/>
-              <a:t>6/20/2024</a:t>
+              <a:t>6/25/2024</a:t>
             </a:fld>
             <a:endParaRPr lang="en-US"/>
           </a:p>
@@ -1294,7 +1301,7 @@
           <a:p>
             <a:fld id="{AFC63BEB-E7B5-483F-9194-523D7C0CB12C}" type="datetimeFigureOut">
               <a:rPr lang="en-US" smtClean="0"/>
-              <a:t>6/20/2024</a:t>
+              <a:t>6/25/2024</a:t>
             </a:fld>
             <a:endParaRPr lang="en-US"/>
           </a:p>
@@ -2414,7 +2421,7 @@
           <a:p>
             <a:fld id="{AFC63BEB-E7B5-483F-9194-523D7C0CB12C}" type="datetimeFigureOut">
               <a:rPr lang="en-US" smtClean="0"/>
-              <a:t>6/20/2024</a:t>
+              <a:t>6/25/2024</a:t>
             </a:fld>
             <a:endParaRPr lang="en-US"/>
           </a:p>
@@ -3425,7 +3432,7 @@
           <a:p>
             <a:fld id="{AFC63BEB-E7B5-483F-9194-523D7C0CB12C}" type="datetimeFigureOut">
               <a:rPr lang="en-US" smtClean="0"/>
-              <a:t>6/20/2024</a:t>
+              <a:t>6/25/2024</a:t>
             </a:fld>
             <a:endParaRPr lang="en-US"/>
           </a:p>
@@ -4595,7 +4602,7 @@
           <a:p>
             <a:fld id="{AFC63BEB-E7B5-483F-9194-523D7C0CB12C}" type="datetimeFigureOut">
               <a:rPr lang="en-US" smtClean="0"/>
-              <a:t>6/20/2024</a:t>
+              <a:t>6/25/2024</a:t>
             </a:fld>
             <a:endParaRPr lang="en-US"/>
           </a:p>
@@ -5656,7 +5663,7 @@
           <a:p>
             <a:fld id="{AFC63BEB-E7B5-483F-9194-523D7C0CB12C}" type="datetimeFigureOut">
               <a:rPr lang="en-US" smtClean="0"/>
-              <a:t>6/20/2024</a:t>
+              <a:t>6/25/2024</a:t>
             </a:fld>
             <a:endParaRPr lang="en-US"/>
           </a:p>
@@ -6302,7 +6309,7 @@
           <a:p>
             <a:fld id="{AFC63BEB-E7B5-483F-9194-523D7C0CB12C}" type="datetimeFigureOut">
               <a:rPr lang="en-US" smtClean="0"/>
-              <a:t>6/20/2024</a:t>
+              <a:t>6/25/2024</a:t>
             </a:fld>
             <a:endParaRPr lang="en-US"/>
           </a:p>
@@ -7149,7 +7156,7 @@
           <a:p>
             <a:fld id="{AFC63BEB-E7B5-483F-9194-523D7C0CB12C}" type="datetimeFigureOut">
               <a:rPr lang="en-US" smtClean="0"/>
-              <a:t>6/20/2024</a:t>
+              <a:t>6/25/2024</a:t>
             </a:fld>
             <a:endParaRPr lang="en-US"/>
           </a:p>
@@ -7324,7 +7331,7 @@
           <a:p>
             <a:fld id="{AFC63BEB-E7B5-483F-9194-523D7C0CB12C}" type="datetimeFigureOut">
               <a:rPr lang="en-US" smtClean="0"/>
-              <a:t>6/20/2024</a:t>
+              <a:t>6/25/2024</a:t>
             </a:fld>
             <a:endParaRPr lang="en-US"/>
           </a:p>
@@ -8322,7 +8329,7 @@
           <a:p>
             <a:fld id="{AFC63BEB-E7B5-483F-9194-523D7C0CB12C}" type="datetimeFigureOut">
               <a:rPr lang="en-US" smtClean="0"/>
-              <a:t>6/20/2024</a:t>
+              <a:t>6/25/2024</a:t>
             </a:fld>
             <a:endParaRPr lang="en-US"/>
           </a:p>
@@ -8528,7 +8535,7 @@
           <a:p>
             <a:fld id="{AFC63BEB-E7B5-483F-9194-523D7C0CB12C}" type="datetimeFigureOut">
               <a:rPr lang="en-US" smtClean="0"/>
-              <a:t>6/20/2024</a:t>
+              <a:t>6/25/2024</a:t>
             </a:fld>
             <a:endParaRPr lang="en-US"/>
           </a:p>
@@ -9590,7 +9597,7 @@
           <a:p>
             <a:fld id="{AFC63BEB-E7B5-483F-9194-523D7C0CB12C}" type="datetimeFigureOut">
               <a:rPr lang="en-US" smtClean="0"/>
-              <a:t>6/20/2024</a:t>
+              <a:t>6/25/2024</a:t>
             </a:fld>
             <a:endParaRPr lang="en-US"/>
           </a:p>
@@ -9862,7 +9869,7 @@
           <a:p>
             <a:fld id="{AFC63BEB-E7B5-483F-9194-523D7C0CB12C}" type="datetimeFigureOut">
               <a:rPr lang="en-US" smtClean="0"/>
-              <a:t>6/20/2024</a:t>
+              <a:t>6/25/2024</a:t>
             </a:fld>
             <a:endParaRPr lang="en-US"/>
           </a:p>
@@ -10244,7 +10251,7 @@
           <a:p>
             <a:fld id="{AFC63BEB-E7B5-483F-9194-523D7C0CB12C}" type="datetimeFigureOut">
               <a:rPr lang="en-US" smtClean="0"/>
-              <a:t>6/20/2024</a:t>
+              <a:t>6/25/2024</a:t>
             </a:fld>
             <a:endParaRPr lang="en-US"/>
           </a:p>
@@ -10362,7 +10369,7 @@
           <a:p>
             <a:fld id="{AFC63BEB-E7B5-483F-9194-523D7C0CB12C}" type="datetimeFigureOut">
               <a:rPr lang="en-US" smtClean="0"/>
-              <a:t>6/20/2024</a:t>
+              <a:t>6/25/2024</a:t>
             </a:fld>
             <a:endParaRPr lang="en-US"/>
           </a:p>
@@ -10457,7 +10464,7 @@
           <a:p>
             <a:fld id="{AFC63BEB-E7B5-483F-9194-523D7C0CB12C}" type="datetimeFigureOut">
               <a:rPr lang="en-US" smtClean="0"/>
-              <a:t>6/20/2024</a:t>
+              <a:t>6/25/2024</a:t>
             </a:fld>
             <a:endParaRPr lang="en-US"/>
           </a:p>
@@ -11566,7 +11573,7 @@
           <a:p>
             <a:fld id="{AFC63BEB-E7B5-483F-9194-523D7C0CB12C}" type="datetimeFigureOut">
               <a:rPr lang="en-US" smtClean="0"/>
-              <a:t>6/20/2024</a:t>
+              <a:t>6/25/2024</a:t>
             </a:fld>
             <a:endParaRPr lang="en-US"/>
           </a:p>
@@ -12699,7 +12706,7 @@
           <a:p>
             <a:fld id="{AFC63BEB-E7B5-483F-9194-523D7C0CB12C}" type="datetimeFigureOut">
               <a:rPr lang="en-US" smtClean="0"/>
-              <a:t>6/20/2024</a:t>
+              <a:t>6/25/2024</a:t>
             </a:fld>
             <a:endParaRPr lang="en-US"/>
           </a:p>
@@ -13727,7 +13734,7 @@
           <a:p>
             <a:fld id="{AFC63BEB-E7B5-483F-9194-523D7C0CB12C}" type="datetimeFigureOut">
               <a:rPr lang="en-US" smtClean="0"/>
-              <a:t>6/20/2024</a:t>
+              <a:t>6/25/2024</a:t>
             </a:fld>
             <a:endParaRPr lang="en-US"/>
           </a:p>
@@ -16122,7 +16129,7 @@
                 <a:latin typeface="Arial" panose="020B0604020202020204" pitchFamily="34" charset="0"/>
                 <a:cs typeface="Arial" panose="020B0604020202020204" pitchFamily="34" charset="0"/>
               </a:rPr>
-              <a:t>“</a:t>
+              <a:t>"</a:t>
             </a:r>
           </a:p>
           <a:p>
@@ -16141,14 +16148,14 @@
               <a:t>user.email</a:t>
             </a:r>
             <a:r>
-              <a:rPr lang="en-US" b="1" dirty="0">
-                <a:latin typeface="Arial" panose="020B0604020202020204" pitchFamily="34" charset="0"/>
-                <a:cs typeface="Arial" panose="020B0604020202020204" pitchFamily="34" charset="0"/>
-              </a:rPr>
-              <a:t> </a:t>
-            </a:r>
-            <a:r>
-              <a:rPr lang="en-US" b="1" dirty="0">
+              <a:rPr lang="en-US" b="1">
+                <a:latin typeface="Arial" panose="020B0604020202020204" pitchFamily="34" charset="0"/>
+                <a:cs typeface="Arial" panose="020B0604020202020204" pitchFamily="34" charset="0"/>
+              </a:rPr>
+              <a:t> "</a:t>
+            </a:r>
+            <a:r>
+              <a:rPr lang="en-US" b="1">
                 <a:solidFill>
                   <a:srgbClr val="C00000"/>
                 </a:solidFill>
@@ -16162,7 +16169,48 @@
                   </a:extLst>
                 </a:hlinkClick>
               </a:rPr>
-              <a:t>your-email@example.com</a:t>
+              <a:t>your-email</a:t>
+            </a:r>
+            <a:r>
+              <a:rPr lang="en-US" b="1" dirty="0">
+                <a:solidFill>
+                  <a:srgbClr val="C00000"/>
+                </a:solidFill>
+                <a:latin typeface="Arial" panose="020B0604020202020204" pitchFamily="34" charset="0"/>
+                <a:cs typeface="Arial" panose="020B0604020202020204" pitchFamily="34" charset="0"/>
+                <a:hlinkClick r:id="rId2">
+                  <a:extLst>
+                    <a:ext uri="{A12FA001-AC4F-418D-AE19-62706E023703}">
+                      <ahyp:hlinkClr xmlns:ahyp="http://schemas.microsoft.com/office/drawing/2018/hyperlinkcolor" val="tx"/>
+                    </a:ext>
+                  </a:extLst>
+                </a:hlinkClick>
+              </a:rPr>
+              <a:t>@example</a:t>
+            </a:r>
+            <a:r>
+              <a:rPr lang="en-US" b="1">
+                <a:solidFill>
+                  <a:srgbClr val="C00000"/>
+                </a:solidFill>
+                <a:latin typeface="Arial" panose="020B0604020202020204" pitchFamily="34" charset="0"/>
+                <a:cs typeface="Arial" panose="020B0604020202020204" pitchFamily="34" charset="0"/>
+                <a:hlinkClick r:id="rId2">
+                  <a:extLst>
+                    <a:ext uri="{A12FA001-AC4F-418D-AE19-62706E023703}">
+                      <ahyp:hlinkClr xmlns:ahyp="http://schemas.microsoft.com/office/drawing/2018/hyperlinkcolor" val="tx"/>
+                    </a:ext>
+                  </a:extLst>
+                </a:hlinkClick>
+              </a:rPr>
+              <a:t>.com</a:t>
+            </a:r>
+            <a:r>
+              <a:rPr lang="en-US" b="1">
+                <a:latin typeface="Arial" panose="020B0604020202020204" pitchFamily="34" charset="0"/>
+                <a:cs typeface="Arial" panose="020B0604020202020204" pitchFamily="34" charset="0"/>
+              </a:rPr>
+              <a:t>"</a:t>
             </a:r>
             <a:endParaRPr lang="en-US" b="1" dirty="0">
               <a:solidFill>
@@ -16227,6 +16275,888 @@
     <p:extLst>
       <p:ext uri="{BB962C8B-B14F-4D97-AF65-F5344CB8AC3E}">
         <p14:creationId xmlns:p14="http://schemas.microsoft.com/office/powerpoint/2010/main" val="2079505325"/>
+      </p:ext>
+    </p:extLst>
+  </p:cSld>
+  <p:clrMapOvr>
+    <a:masterClrMapping/>
+  </p:clrMapOvr>
+</p:sld>
+</file>
+
+<file path=ppt/slides/slide17.xml><?xml version="1.0" encoding="utf-8"?>
+<p:sld xmlns:a="http://schemas.openxmlformats.org/drawingml/2006/main" xmlns:r="http://schemas.openxmlformats.org/officeDocument/2006/relationships" xmlns:p="http://schemas.openxmlformats.org/presentationml/2006/main">
+  <p:cSld>
+    <p:spTree>
+      <p:nvGrpSpPr>
+        <p:cNvPr id="1" name=""/>
+        <p:cNvGrpSpPr/>
+        <p:nvPr/>
+      </p:nvGrpSpPr>
+      <p:grpSpPr>
+        <a:xfrm>
+          <a:off x="0" y="0"/>
+          <a:ext cx="0" cy="0"/>
+          <a:chOff x="0" y="0"/>
+          <a:chExt cx="0" cy="0"/>
+        </a:xfrm>
+      </p:grpSpPr>
+      <p:sp>
+        <p:nvSpPr>
+          <p:cNvPr id="2" name="Title 1">
+            <a:extLst>
+              <a:ext uri="{FF2B5EF4-FFF2-40B4-BE49-F238E27FC236}">
+                <a16:creationId xmlns:a16="http://schemas.microsoft.com/office/drawing/2014/main" id="{C7E4DE14-60EB-15E5-EAF6-44853B4E8C72}"/>
+              </a:ext>
+            </a:extLst>
+          </p:cNvPr>
+          <p:cNvSpPr>
+            <a:spLocks noGrp="1"/>
+          </p:cNvSpPr>
+          <p:nvPr>
+            <p:ph type="title"/>
+          </p:nvPr>
+        </p:nvSpPr>
+        <p:spPr/>
+        <p:txBody>
+          <a:bodyPr/>
+          <a:lstStyle/>
+          <a:p>
+            <a:pPr algn="ctr"/>
+            <a:r>
+              <a:rPr lang="en-US" dirty="0">
+                <a:solidFill>
+                  <a:schemeClr val="bg1"/>
+                </a:solidFill>
+                <a:latin typeface="Arial" panose="020B0604020202020204" pitchFamily="34" charset="0"/>
+                <a:cs typeface="Arial" panose="020B0604020202020204" pitchFamily="34" charset="0"/>
+              </a:rPr>
+              <a:t>Stage</a:t>
+            </a:r>
+            <a:r>
+              <a:rPr lang="bg-BG" dirty="0">
+                <a:solidFill>
+                  <a:schemeClr val="bg1"/>
+                </a:solidFill>
+                <a:latin typeface="Arial" panose="020B0604020202020204" pitchFamily="34" charset="0"/>
+                <a:cs typeface="Arial" panose="020B0604020202020204" pitchFamily="34" charset="0"/>
+              </a:rPr>
+              <a:t> </a:t>
+            </a:r>
+            <a:r>
+              <a:rPr lang="en-US" dirty="0">
+                <a:solidFill>
+                  <a:schemeClr val="bg1"/>
+                </a:solidFill>
+                <a:latin typeface="Arial" panose="020B0604020202020204" pitchFamily="34" charset="0"/>
+                <a:cs typeface="Arial" panose="020B0604020202020204" pitchFamily="34" charset="0"/>
+              </a:rPr>
+              <a:t>files</a:t>
+            </a:r>
+            <a:endParaRPr lang="bg-BG" dirty="0">
+              <a:solidFill>
+                <a:schemeClr val="bg1"/>
+              </a:solidFill>
+              <a:latin typeface="Arial" panose="020B0604020202020204" pitchFamily="34" charset="0"/>
+              <a:cs typeface="Arial" panose="020B0604020202020204" pitchFamily="34" charset="0"/>
+            </a:endParaRPr>
+          </a:p>
+        </p:txBody>
+      </p:sp>
+      <p:sp>
+        <p:nvSpPr>
+          <p:cNvPr id="3" name="Content Placeholder 2">
+            <a:extLst>
+              <a:ext uri="{FF2B5EF4-FFF2-40B4-BE49-F238E27FC236}">
+                <a16:creationId xmlns:a16="http://schemas.microsoft.com/office/drawing/2014/main" id="{32C339D7-2E5B-DBFF-B5CC-42ED921E58F6}"/>
+              </a:ext>
+            </a:extLst>
+          </p:cNvPr>
+          <p:cNvSpPr>
+            <a:spLocks noGrp="1"/>
+          </p:cNvSpPr>
+          <p:nvPr>
+            <p:ph idx="1"/>
+          </p:nvPr>
+        </p:nvSpPr>
+        <p:spPr>
+          <a:xfrm>
+            <a:off x="1154954" y="2603500"/>
+            <a:ext cx="10518061" cy="4077386"/>
+          </a:xfrm>
+        </p:spPr>
+        <p:txBody>
+          <a:bodyPr>
+            <a:normAutofit lnSpcReduction="10000"/>
+          </a:bodyPr>
+          <a:lstStyle/>
+          <a:p>
+            <a:r>
+              <a:rPr lang="bg-BG" dirty="0">
+                <a:latin typeface="Arial" panose="020B0604020202020204" pitchFamily="34" charset="0"/>
+                <a:cs typeface="Arial" panose="020B0604020202020204" pitchFamily="34" charset="0"/>
+              </a:rPr>
+              <a:t>Във </a:t>
+            </a:r>
+            <a:r>
+              <a:rPr lang="en-US" b="1" dirty="0">
+                <a:latin typeface="Arial" panose="020B0604020202020204" pitchFamily="34" charset="0"/>
+                <a:cs typeface="Arial" panose="020B0604020202020204" pitchFamily="34" charset="0"/>
+              </a:rPr>
+              <a:t>stage</a:t>
+            </a:r>
+            <a:r>
+              <a:rPr lang="en-US" dirty="0">
+                <a:latin typeface="Arial" panose="020B0604020202020204" pitchFamily="34" charset="0"/>
+                <a:cs typeface="Arial" panose="020B0604020202020204" pitchFamily="34" charset="0"/>
+              </a:rPr>
+              <a:t> </a:t>
+            </a:r>
+            <a:r>
+              <a:rPr lang="bg-BG" dirty="0">
+                <a:latin typeface="Arial" panose="020B0604020202020204" pitchFamily="34" charset="0"/>
+                <a:cs typeface="Arial" panose="020B0604020202020204" pitchFamily="34" charset="0"/>
+              </a:rPr>
+              <a:t>(индекс) зоната преместваме всички файлове, които искаме да вкараме в нашият следващ </a:t>
+            </a:r>
+            <a:r>
+              <a:rPr lang="en-US" b="1" dirty="0">
+                <a:latin typeface="Arial" panose="020B0604020202020204" pitchFamily="34" charset="0"/>
+                <a:cs typeface="Arial" panose="020B0604020202020204" pitchFamily="34" charset="0"/>
+              </a:rPr>
+              <a:t>commit</a:t>
+            </a:r>
+            <a:r>
+              <a:rPr lang="en-US" dirty="0">
+                <a:latin typeface="Arial" panose="020B0604020202020204" pitchFamily="34" charset="0"/>
+                <a:cs typeface="Arial" panose="020B0604020202020204" pitchFamily="34" charset="0"/>
+              </a:rPr>
+              <a:t>.</a:t>
+            </a:r>
+          </a:p>
+          <a:p>
+            <a:endParaRPr lang="en-US" dirty="0">
+              <a:latin typeface="Arial" panose="020B0604020202020204" pitchFamily="34" charset="0"/>
+              <a:cs typeface="Arial" panose="020B0604020202020204" pitchFamily="34" charset="0"/>
+            </a:endParaRPr>
+          </a:p>
+          <a:p>
+            <a:r>
+              <a:rPr lang="bg-BG" dirty="0">
+                <a:latin typeface="Arial" panose="020B0604020202020204" pitchFamily="34" charset="0"/>
+                <a:cs typeface="Arial" panose="020B0604020202020204" pitchFamily="34" charset="0"/>
+              </a:rPr>
+              <a:t>Командата, която използваме, за да добавим файлове в </a:t>
+            </a:r>
+            <a:r>
+              <a:rPr lang="en-US" b="1" dirty="0">
+                <a:latin typeface="Arial" panose="020B0604020202020204" pitchFamily="34" charset="0"/>
+                <a:cs typeface="Arial" panose="020B0604020202020204" pitchFamily="34" charset="0"/>
+              </a:rPr>
+              <a:t>stage</a:t>
+            </a:r>
+            <a:r>
+              <a:rPr lang="bg-BG" b="1" dirty="0">
+                <a:latin typeface="Arial" panose="020B0604020202020204" pitchFamily="34" charset="0"/>
+                <a:cs typeface="Arial" panose="020B0604020202020204" pitchFamily="34" charset="0"/>
+              </a:rPr>
+              <a:t> (индекс)</a:t>
+            </a:r>
+            <a:r>
+              <a:rPr lang="en-US" dirty="0">
+                <a:latin typeface="Arial" panose="020B0604020202020204" pitchFamily="34" charset="0"/>
+                <a:cs typeface="Arial" panose="020B0604020202020204" pitchFamily="34" charset="0"/>
+              </a:rPr>
+              <a:t> </a:t>
+            </a:r>
+            <a:r>
+              <a:rPr lang="bg-BG" dirty="0">
+                <a:latin typeface="Arial" panose="020B0604020202020204" pitchFamily="34" charset="0"/>
+                <a:cs typeface="Arial" panose="020B0604020202020204" pitchFamily="34" charset="0"/>
+              </a:rPr>
+              <a:t>зоната е: </a:t>
+            </a:r>
+            <a:endParaRPr lang="en-US" dirty="0">
+              <a:latin typeface="Arial" panose="020B0604020202020204" pitchFamily="34" charset="0"/>
+              <a:cs typeface="Arial" panose="020B0604020202020204" pitchFamily="34" charset="0"/>
+            </a:endParaRPr>
+          </a:p>
+          <a:p>
+            <a:pPr marL="0" indent="0">
+              <a:buNone/>
+            </a:pPr>
+            <a:r>
+              <a:rPr lang="en-US" b="1" dirty="0">
+                <a:latin typeface="Arial" panose="020B0604020202020204" pitchFamily="34" charset="0"/>
+                <a:cs typeface="Arial" panose="020B0604020202020204" pitchFamily="34" charset="0"/>
+              </a:rPr>
+              <a:t>       git add </a:t>
+            </a:r>
+            <a:r>
+              <a:rPr lang="en-US" dirty="0">
+                <a:solidFill>
+                  <a:schemeClr val="accent5">
+                    <a:lumMod val="50000"/>
+                  </a:schemeClr>
+                </a:solidFill>
+                <a:latin typeface="Arial" panose="020B0604020202020204" pitchFamily="34" charset="0"/>
+                <a:cs typeface="Arial" panose="020B0604020202020204" pitchFamily="34" charset="0"/>
+              </a:rPr>
+              <a:t>&lt;file1&gt; &lt;file2&gt; - stage</a:t>
+            </a:r>
+            <a:r>
+              <a:rPr lang="bg-BG" dirty="0">
+                <a:solidFill>
+                  <a:schemeClr val="accent5">
+                    <a:lumMod val="50000"/>
+                  </a:schemeClr>
+                </a:solidFill>
+                <a:latin typeface="Arial" panose="020B0604020202020204" pitchFamily="34" charset="0"/>
+                <a:cs typeface="Arial" panose="020B0604020202020204" pitchFamily="34" charset="0"/>
+              </a:rPr>
+              <a:t> съответните два файла в индекс зоната</a:t>
+            </a:r>
+            <a:endParaRPr lang="en-US" dirty="0">
+              <a:solidFill>
+                <a:schemeClr val="accent5">
+                  <a:lumMod val="50000"/>
+                </a:schemeClr>
+              </a:solidFill>
+              <a:latin typeface="Arial" panose="020B0604020202020204" pitchFamily="34" charset="0"/>
+              <a:cs typeface="Arial" panose="020B0604020202020204" pitchFamily="34" charset="0"/>
+            </a:endParaRPr>
+          </a:p>
+          <a:p>
+            <a:pPr marL="0" indent="0">
+              <a:buNone/>
+            </a:pPr>
+            <a:r>
+              <a:rPr lang="en-US" b="1" dirty="0">
+                <a:latin typeface="Arial" panose="020B0604020202020204" pitchFamily="34" charset="0"/>
+                <a:cs typeface="Arial" panose="020B0604020202020204" pitchFamily="34" charset="0"/>
+              </a:rPr>
+              <a:t>       git add </a:t>
+            </a:r>
+            <a:r>
+              <a:rPr lang="en-US" dirty="0">
+                <a:solidFill>
+                  <a:schemeClr val="accent5">
+                    <a:lumMod val="50000"/>
+                  </a:schemeClr>
+                </a:solidFill>
+                <a:latin typeface="Arial" panose="020B0604020202020204" pitchFamily="34" charset="0"/>
+                <a:cs typeface="Arial" panose="020B0604020202020204" pitchFamily="34" charset="0"/>
+              </a:rPr>
+              <a:t>&lt;directory&gt;</a:t>
+            </a:r>
+            <a:r>
+              <a:rPr lang="bg-BG" dirty="0">
+                <a:solidFill>
+                  <a:schemeClr val="accent5">
+                    <a:lumMod val="50000"/>
+                  </a:schemeClr>
+                </a:solidFill>
+                <a:latin typeface="Arial" panose="020B0604020202020204" pitchFamily="34" charset="0"/>
+                <a:cs typeface="Arial" panose="020B0604020202020204" pitchFamily="34" charset="0"/>
+              </a:rPr>
+              <a:t>  - </a:t>
+            </a:r>
+            <a:r>
+              <a:rPr lang="en-US" dirty="0">
+                <a:solidFill>
+                  <a:schemeClr val="accent5">
+                    <a:lumMod val="50000"/>
+                  </a:schemeClr>
+                </a:solidFill>
+                <a:latin typeface="Arial" panose="020B0604020202020204" pitchFamily="34" charset="0"/>
+                <a:cs typeface="Arial" panose="020B0604020202020204" pitchFamily="34" charset="0"/>
+              </a:rPr>
+              <a:t>stage</a:t>
+            </a:r>
+            <a:r>
+              <a:rPr lang="bg-BG" dirty="0">
+                <a:solidFill>
+                  <a:schemeClr val="accent5">
+                    <a:lumMod val="50000"/>
+                  </a:schemeClr>
+                </a:solidFill>
+                <a:latin typeface="Arial" panose="020B0604020202020204" pitchFamily="34" charset="0"/>
+                <a:cs typeface="Arial" panose="020B0604020202020204" pitchFamily="34" charset="0"/>
+              </a:rPr>
+              <a:t> съответната директория в индекс зоната</a:t>
+            </a:r>
+            <a:endParaRPr lang="en-US" dirty="0">
+              <a:solidFill>
+                <a:schemeClr val="accent5">
+                  <a:lumMod val="50000"/>
+                </a:schemeClr>
+              </a:solidFill>
+              <a:latin typeface="Arial" panose="020B0604020202020204" pitchFamily="34" charset="0"/>
+              <a:cs typeface="Arial" panose="020B0604020202020204" pitchFamily="34" charset="0"/>
+            </a:endParaRPr>
+          </a:p>
+          <a:p>
+            <a:pPr marL="0" indent="0">
+              <a:buNone/>
+            </a:pPr>
+            <a:r>
+              <a:rPr lang="en-US" b="1" dirty="0">
+                <a:latin typeface="Arial" panose="020B0604020202020204" pitchFamily="34" charset="0"/>
+                <a:cs typeface="Arial" panose="020B0604020202020204" pitchFamily="34" charset="0"/>
+              </a:rPr>
+              <a:t>       git add .</a:t>
+            </a:r>
+            <a:r>
+              <a:rPr lang="bg-BG" b="1" dirty="0">
+                <a:latin typeface="Arial" panose="020B0604020202020204" pitchFamily="34" charset="0"/>
+                <a:cs typeface="Arial" panose="020B0604020202020204" pitchFamily="34" charset="0"/>
+              </a:rPr>
+              <a:t> </a:t>
+            </a:r>
+            <a:r>
+              <a:rPr lang="bg-BG" dirty="0">
+                <a:solidFill>
+                  <a:schemeClr val="accent5">
+                    <a:lumMod val="50000"/>
+                  </a:schemeClr>
+                </a:solidFill>
+                <a:latin typeface="Arial" panose="020B0604020202020204" pitchFamily="34" charset="0"/>
+                <a:cs typeface="Arial" panose="020B0604020202020204" pitchFamily="34" charset="0"/>
+              </a:rPr>
+              <a:t>- </a:t>
+            </a:r>
+            <a:r>
+              <a:rPr lang="en-US" dirty="0">
+                <a:solidFill>
+                  <a:schemeClr val="accent5">
+                    <a:lumMod val="50000"/>
+                  </a:schemeClr>
+                </a:solidFill>
+                <a:latin typeface="Arial" panose="020B0604020202020204" pitchFamily="34" charset="0"/>
+                <a:cs typeface="Arial" panose="020B0604020202020204" pitchFamily="34" charset="0"/>
+              </a:rPr>
+              <a:t>stage</a:t>
+            </a:r>
+            <a:r>
+              <a:rPr lang="bg-BG" dirty="0">
+                <a:solidFill>
+                  <a:schemeClr val="accent5">
+                    <a:lumMod val="50000"/>
+                  </a:schemeClr>
+                </a:solidFill>
+                <a:latin typeface="Arial" panose="020B0604020202020204" pitchFamily="34" charset="0"/>
+                <a:cs typeface="Arial" panose="020B0604020202020204" pitchFamily="34" charset="0"/>
+              </a:rPr>
+              <a:t> всичко от текущата директория и всички нейни 						поддиректории </a:t>
+            </a:r>
+          </a:p>
+          <a:p>
+            <a:pPr marL="0" indent="0">
+              <a:buNone/>
+            </a:pPr>
+            <a:endParaRPr lang="bg-BG" dirty="0">
+              <a:solidFill>
+                <a:schemeClr val="accent5">
+                  <a:lumMod val="50000"/>
+                </a:schemeClr>
+              </a:solidFill>
+              <a:latin typeface="Arial" panose="020B0604020202020204" pitchFamily="34" charset="0"/>
+              <a:cs typeface="Arial" panose="020B0604020202020204" pitchFamily="34" charset="0"/>
+            </a:endParaRPr>
+          </a:p>
+          <a:p>
+            <a:pPr marL="0" indent="0">
+              <a:buNone/>
+            </a:pPr>
+            <a:r>
+              <a:rPr lang="bg-BG" b="1" i="1" u="sng" dirty="0">
+                <a:solidFill>
+                  <a:schemeClr val="tx1"/>
+                </a:solidFill>
+                <a:latin typeface="Arial" panose="020B0604020202020204" pitchFamily="34" charset="0"/>
+                <a:cs typeface="Arial" panose="020B0604020202020204" pitchFamily="34" charset="0"/>
+              </a:rPr>
+              <a:t>Бележка:</a:t>
+            </a:r>
+            <a:endParaRPr lang="en-US" b="1" i="1" u="sng" dirty="0">
+              <a:solidFill>
+                <a:schemeClr val="tx1"/>
+              </a:solidFill>
+              <a:latin typeface="Arial" panose="020B0604020202020204" pitchFamily="34" charset="0"/>
+              <a:cs typeface="Arial" panose="020B0604020202020204" pitchFamily="34" charset="0"/>
+            </a:endParaRPr>
+          </a:p>
+          <a:p>
+            <a:r>
+              <a:rPr lang="en-US" b="1" dirty="0">
+                <a:solidFill>
+                  <a:schemeClr val="tx1"/>
+                </a:solidFill>
+                <a:latin typeface="Arial" panose="020B0604020202020204" pitchFamily="34" charset="0"/>
+                <a:cs typeface="Arial" panose="020B0604020202020204" pitchFamily="34" charset="0"/>
+              </a:rPr>
+              <a:t>git status</a:t>
+            </a:r>
+            <a:r>
+              <a:rPr lang="en-US" dirty="0">
+                <a:solidFill>
+                  <a:schemeClr val="accent5">
+                    <a:lumMod val="50000"/>
+                  </a:schemeClr>
+                </a:solidFill>
+                <a:latin typeface="Arial" panose="020B0604020202020204" pitchFamily="34" charset="0"/>
+                <a:cs typeface="Arial" panose="020B0604020202020204" pitchFamily="34" charset="0"/>
+              </a:rPr>
+              <a:t> – </a:t>
+            </a:r>
+            <a:r>
+              <a:rPr lang="bg-BG" dirty="0">
+                <a:solidFill>
+                  <a:schemeClr val="accent5">
+                    <a:lumMod val="50000"/>
+                  </a:schemeClr>
+                </a:solidFill>
+                <a:latin typeface="Arial" panose="020B0604020202020204" pitchFamily="34" charset="0"/>
+                <a:cs typeface="Arial" panose="020B0604020202020204" pitchFamily="34" charset="0"/>
+              </a:rPr>
+              <a:t>показва текущото състояние на нашето </a:t>
+            </a:r>
+            <a:r>
+              <a:rPr lang="en-US" dirty="0">
+                <a:solidFill>
+                  <a:schemeClr val="accent5">
+                    <a:lumMod val="50000"/>
+                  </a:schemeClr>
+                </a:solidFill>
+                <a:latin typeface="Arial" panose="020B0604020202020204" pitchFamily="34" charset="0"/>
+                <a:cs typeface="Arial" panose="020B0604020202020204" pitchFamily="34" charset="0"/>
+              </a:rPr>
+              <a:t>repository </a:t>
+            </a:r>
+            <a:r>
+              <a:rPr lang="bg-BG" dirty="0">
+                <a:solidFill>
+                  <a:schemeClr val="accent5">
+                    <a:lumMod val="50000"/>
+                  </a:schemeClr>
+                </a:solidFill>
+                <a:latin typeface="Arial" panose="020B0604020202020204" pitchFamily="34" charset="0"/>
+                <a:cs typeface="Arial" panose="020B0604020202020204" pitchFamily="34" charset="0"/>
+              </a:rPr>
+              <a:t>(използва се постоянно)</a:t>
+            </a:r>
+            <a:endParaRPr lang="en-US" dirty="0">
+              <a:solidFill>
+                <a:schemeClr val="accent5">
+                  <a:lumMod val="50000"/>
+                </a:schemeClr>
+              </a:solidFill>
+              <a:latin typeface="Arial" panose="020B0604020202020204" pitchFamily="34" charset="0"/>
+              <a:cs typeface="Arial" panose="020B0604020202020204" pitchFamily="34" charset="0"/>
+            </a:endParaRPr>
+          </a:p>
+          <a:p>
+            <a:pPr marL="0" indent="0">
+              <a:buNone/>
+            </a:pPr>
+            <a:endParaRPr lang="en-US" b="1" dirty="0">
+              <a:latin typeface="Arial" panose="020B0604020202020204" pitchFamily="34" charset="0"/>
+              <a:cs typeface="Arial" panose="020B0604020202020204" pitchFamily="34" charset="0"/>
+            </a:endParaRPr>
+          </a:p>
+          <a:p>
+            <a:pPr marL="0" indent="0">
+              <a:buNone/>
+            </a:pPr>
+            <a:endParaRPr lang="bg-BG" b="1" dirty="0">
+              <a:latin typeface="Arial" panose="020B0604020202020204" pitchFamily="34" charset="0"/>
+              <a:cs typeface="Arial" panose="020B0604020202020204" pitchFamily="34" charset="0"/>
+            </a:endParaRPr>
+          </a:p>
+        </p:txBody>
+      </p:sp>
+    </p:spTree>
+    <p:extLst>
+      <p:ext uri="{BB962C8B-B14F-4D97-AF65-F5344CB8AC3E}">
+        <p14:creationId xmlns:p14="http://schemas.microsoft.com/office/powerpoint/2010/main" val="1942760218"/>
+      </p:ext>
+    </p:extLst>
+  </p:cSld>
+  <p:clrMapOvr>
+    <a:masterClrMapping/>
+  </p:clrMapOvr>
+</p:sld>
+</file>
+
+<file path=ppt/slides/slide18.xml><?xml version="1.0" encoding="utf-8"?>
+<p:sld xmlns:a="http://schemas.openxmlformats.org/drawingml/2006/main" xmlns:r="http://schemas.openxmlformats.org/officeDocument/2006/relationships" xmlns:p="http://schemas.openxmlformats.org/presentationml/2006/main">
+  <p:cSld>
+    <p:spTree>
+      <p:nvGrpSpPr>
+        <p:cNvPr id="1" name=""/>
+        <p:cNvGrpSpPr/>
+        <p:nvPr/>
+      </p:nvGrpSpPr>
+      <p:grpSpPr>
+        <a:xfrm>
+          <a:off x="0" y="0"/>
+          <a:ext cx="0" cy="0"/>
+          <a:chOff x="0" y="0"/>
+          <a:chExt cx="0" cy="0"/>
+        </a:xfrm>
+      </p:grpSpPr>
+      <p:sp>
+        <p:nvSpPr>
+          <p:cNvPr id="2" name="Title 1">
+            <a:extLst>
+              <a:ext uri="{FF2B5EF4-FFF2-40B4-BE49-F238E27FC236}">
+                <a16:creationId xmlns:a16="http://schemas.microsoft.com/office/drawing/2014/main" id="{2748A3FB-047F-E5AD-4AB7-5AFFBD61EC7E}"/>
+              </a:ext>
+            </a:extLst>
+          </p:cNvPr>
+          <p:cNvSpPr>
+            <a:spLocks noGrp="1"/>
+          </p:cNvSpPr>
+          <p:nvPr>
+            <p:ph type="title"/>
+          </p:nvPr>
+        </p:nvSpPr>
+        <p:spPr/>
+        <p:txBody>
+          <a:bodyPr/>
+          <a:lstStyle/>
+          <a:p>
+            <a:pPr algn="ctr"/>
+            <a:r>
+              <a:rPr lang="en-US" dirty="0">
+                <a:solidFill>
+                  <a:schemeClr val="bg1"/>
+                </a:solidFill>
+                <a:latin typeface="Arial" panose="020B0604020202020204" pitchFamily="34" charset="0"/>
+                <a:cs typeface="Arial" panose="020B0604020202020204" pitchFamily="34" charset="0"/>
+              </a:rPr>
+              <a:t>Stage </a:t>
+            </a:r>
+            <a:r>
+              <a:rPr lang="bg-BG" dirty="0">
+                <a:solidFill>
+                  <a:schemeClr val="bg1"/>
+                </a:solidFill>
+                <a:latin typeface="Arial" panose="020B0604020202020204" pitchFamily="34" charset="0"/>
+                <a:cs typeface="Arial" panose="020B0604020202020204" pitchFamily="34" charset="0"/>
+              </a:rPr>
+              <a:t>зона</a:t>
+            </a:r>
+          </a:p>
+        </p:txBody>
+      </p:sp>
+      <p:pic>
+        <p:nvPicPr>
+          <p:cNvPr id="4" name="Content Placeholder 5" descr="A group of white circles on a black background&#10;&#10;Description automatically generated">
+            <a:extLst>
+              <a:ext uri="{FF2B5EF4-FFF2-40B4-BE49-F238E27FC236}">
+                <a16:creationId xmlns:a16="http://schemas.microsoft.com/office/drawing/2014/main" id="{83EAA8D4-BCD8-F409-C66B-116F34F21213}"/>
+              </a:ext>
+            </a:extLst>
+          </p:cNvPr>
+          <p:cNvPicPr>
+            <a:picLocks noGrp="1" noChangeAspect="1"/>
+          </p:cNvPicPr>
+          <p:nvPr>
+            <p:ph idx="1"/>
+          </p:nvPr>
+        </p:nvPicPr>
+        <p:blipFill>
+          <a:blip r:embed="rId2">
+            <a:extLst>
+              <a:ext uri="{28A0092B-C50C-407E-A947-70E740481C1C}">
+                <a14:useLocalDpi xmlns:a14="http://schemas.microsoft.com/office/drawing/2010/main" val="0"/>
+              </a:ext>
+            </a:extLst>
+          </a:blip>
+          <a:stretch>
+            <a:fillRect/>
+          </a:stretch>
+        </p:blipFill>
+        <p:spPr>
+          <a:xfrm>
+            <a:off x="2792627" y="2529358"/>
+            <a:ext cx="5517511" cy="4149629"/>
+          </a:xfrm>
+        </p:spPr>
+      </p:pic>
+    </p:spTree>
+    <p:extLst>
+      <p:ext uri="{BB962C8B-B14F-4D97-AF65-F5344CB8AC3E}">
+        <p14:creationId xmlns:p14="http://schemas.microsoft.com/office/powerpoint/2010/main" val="867065143"/>
+      </p:ext>
+    </p:extLst>
+  </p:cSld>
+  <p:clrMapOvr>
+    <a:masterClrMapping/>
+  </p:clrMapOvr>
+</p:sld>
+</file>
+
+<file path=ppt/slides/slide19.xml><?xml version="1.0" encoding="utf-8"?>
+<p:sld xmlns:a="http://schemas.openxmlformats.org/drawingml/2006/main" xmlns:r="http://schemas.openxmlformats.org/officeDocument/2006/relationships" xmlns:p="http://schemas.openxmlformats.org/presentationml/2006/main">
+  <p:cSld>
+    <p:spTree>
+      <p:nvGrpSpPr>
+        <p:cNvPr id="1" name=""/>
+        <p:cNvGrpSpPr/>
+        <p:nvPr/>
+      </p:nvGrpSpPr>
+      <p:grpSpPr>
+        <a:xfrm>
+          <a:off x="0" y="0"/>
+          <a:ext cx="0" cy="0"/>
+          <a:chOff x="0" y="0"/>
+          <a:chExt cx="0" cy="0"/>
+        </a:xfrm>
+      </p:grpSpPr>
+      <p:sp>
+        <p:nvSpPr>
+          <p:cNvPr id="2" name="Title 1">
+            <a:extLst>
+              <a:ext uri="{FF2B5EF4-FFF2-40B4-BE49-F238E27FC236}">
+                <a16:creationId xmlns:a16="http://schemas.microsoft.com/office/drawing/2014/main" id="{85F1042E-AB87-D4AE-3DA7-ED1AEBEE2446}"/>
+              </a:ext>
+            </a:extLst>
+          </p:cNvPr>
+          <p:cNvSpPr>
+            <a:spLocks noGrp="1"/>
+          </p:cNvSpPr>
+          <p:nvPr>
+            <p:ph type="title"/>
+          </p:nvPr>
+        </p:nvSpPr>
+        <p:spPr/>
+        <p:txBody>
+          <a:bodyPr/>
+          <a:lstStyle/>
+          <a:p>
+            <a:pPr algn="ctr"/>
+            <a:r>
+              <a:rPr lang="en-US" dirty="0">
+                <a:solidFill>
+                  <a:schemeClr val="bg1"/>
+                </a:solidFill>
+                <a:latin typeface="Arial" panose="020B0604020202020204" pitchFamily="34" charset="0"/>
+                <a:cs typeface="Arial" panose="020B0604020202020204" pitchFamily="34" charset="0"/>
+              </a:rPr>
+              <a:t>Commits</a:t>
+            </a:r>
+            <a:endParaRPr lang="bg-BG" dirty="0">
+              <a:solidFill>
+                <a:schemeClr val="bg1"/>
+              </a:solidFill>
+              <a:latin typeface="Arial" panose="020B0604020202020204" pitchFamily="34" charset="0"/>
+              <a:cs typeface="Arial" panose="020B0604020202020204" pitchFamily="34" charset="0"/>
+            </a:endParaRPr>
+          </a:p>
+        </p:txBody>
+      </p:sp>
+      <p:sp>
+        <p:nvSpPr>
+          <p:cNvPr id="3" name="Content Placeholder 2">
+            <a:extLst>
+              <a:ext uri="{FF2B5EF4-FFF2-40B4-BE49-F238E27FC236}">
+                <a16:creationId xmlns:a16="http://schemas.microsoft.com/office/drawing/2014/main" id="{8A787BFD-4600-7B53-E27E-D37E70A502AE}"/>
+              </a:ext>
+            </a:extLst>
+          </p:cNvPr>
+          <p:cNvSpPr>
+            <a:spLocks noGrp="1"/>
+          </p:cNvSpPr>
+          <p:nvPr>
+            <p:ph idx="1"/>
+          </p:nvPr>
+        </p:nvSpPr>
+        <p:spPr/>
+        <p:txBody>
+          <a:bodyPr/>
+          <a:lstStyle/>
+          <a:p>
+            <a:r>
+              <a:rPr lang="bg-BG" dirty="0">
+                <a:latin typeface="Arial" panose="020B0604020202020204" pitchFamily="34" charset="0"/>
+                <a:cs typeface="Arial" panose="020B0604020202020204" pitchFamily="34" charset="0"/>
+              </a:rPr>
+              <a:t>Командата, чрез която правим нашите </a:t>
+            </a:r>
+            <a:r>
+              <a:rPr lang="en-US" dirty="0">
+                <a:latin typeface="Arial" panose="020B0604020202020204" pitchFamily="34" charset="0"/>
+                <a:cs typeface="Arial" panose="020B0604020202020204" pitchFamily="34" charset="0"/>
+              </a:rPr>
+              <a:t>commits </a:t>
+            </a:r>
+            <a:r>
+              <a:rPr lang="bg-BG" dirty="0">
+                <a:latin typeface="Arial" panose="020B0604020202020204" pitchFamily="34" charset="0"/>
+                <a:cs typeface="Arial" panose="020B0604020202020204" pitchFamily="34" charset="0"/>
+              </a:rPr>
+              <a:t>е:</a:t>
+            </a:r>
+          </a:p>
+          <a:p>
+            <a:pPr marL="0" indent="0">
+              <a:buNone/>
+            </a:pPr>
+            <a:endParaRPr lang="en-US" dirty="0">
+              <a:latin typeface="Arial" panose="020B0604020202020204" pitchFamily="34" charset="0"/>
+              <a:cs typeface="Arial" panose="020B0604020202020204" pitchFamily="34" charset="0"/>
+            </a:endParaRPr>
+          </a:p>
+          <a:p>
+            <a:pPr marL="0" indent="0">
+              <a:buNone/>
+            </a:pPr>
+            <a:r>
+              <a:rPr lang="en-US" b="1" dirty="0">
+                <a:latin typeface="Arial" panose="020B0604020202020204" pitchFamily="34" charset="0"/>
+                <a:cs typeface="Arial" panose="020B0604020202020204" pitchFamily="34" charset="0"/>
+              </a:rPr>
+              <a:t>      git commit –m </a:t>
+            </a:r>
+            <a:r>
+              <a:rPr lang="en-US" dirty="0">
+                <a:solidFill>
+                  <a:schemeClr val="accent5">
+                    <a:lumMod val="75000"/>
+                  </a:schemeClr>
+                </a:solidFill>
+                <a:latin typeface="Arial" panose="020B0604020202020204" pitchFamily="34" charset="0"/>
+                <a:cs typeface="Arial" panose="020B0604020202020204" pitchFamily="34" charset="0"/>
+              </a:rPr>
+              <a:t>“Our commit message”</a:t>
+            </a:r>
+          </a:p>
+          <a:p>
+            <a:pPr marL="0" indent="0">
+              <a:buNone/>
+            </a:pPr>
+            <a:endParaRPr lang="en-US" dirty="0">
+              <a:solidFill>
+                <a:schemeClr val="accent5">
+                  <a:lumMod val="75000"/>
+                </a:schemeClr>
+              </a:solidFill>
+              <a:latin typeface="Arial" panose="020B0604020202020204" pitchFamily="34" charset="0"/>
+              <a:cs typeface="Arial" panose="020B0604020202020204" pitchFamily="34" charset="0"/>
+            </a:endParaRPr>
+          </a:p>
+          <a:p>
+            <a:r>
+              <a:rPr lang="bg-BG" dirty="0">
+                <a:solidFill>
+                  <a:schemeClr val="tx1"/>
+                </a:solidFill>
+                <a:latin typeface="Arial" panose="020B0604020202020204" pitchFamily="34" charset="0"/>
+                <a:cs typeface="Arial" panose="020B0604020202020204" pitchFamily="34" charset="0"/>
+              </a:rPr>
+              <a:t>След изпълнение на командата, към нашият основен </a:t>
+            </a:r>
+            <a:r>
+              <a:rPr lang="en-US" b="1" dirty="0">
+                <a:solidFill>
+                  <a:schemeClr val="tx1"/>
+                </a:solidFill>
+                <a:latin typeface="Arial" panose="020B0604020202020204" pitchFamily="34" charset="0"/>
+                <a:cs typeface="Arial" panose="020B0604020202020204" pitchFamily="34" charset="0"/>
+              </a:rPr>
+              <a:t>branch</a:t>
+            </a:r>
+            <a:r>
+              <a:rPr lang="bg-BG" dirty="0">
+                <a:solidFill>
+                  <a:schemeClr val="tx1"/>
+                </a:solidFill>
+                <a:latin typeface="Arial" panose="020B0604020202020204" pitchFamily="34" charset="0"/>
+                <a:cs typeface="Arial" panose="020B0604020202020204" pitchFamily="34" charset="0"/>
+              </a:rPr>
+              <a:t>, наречен </a:t>
+            </a:r>
+            <a:r>
+              <a:rPr lang="en-US" b="1" dirty="0">
+                <a:solidFill>
+                  <a:schemeClr val="tx1"/>
+                </a:solidFill>
+                <a:latin typeface="Arial" panose="020B0604020202020204" pitchFamily="34" charset="0"/>
+                <a:cs typeface="Arial" panose="020B0604020202020204" pitchFamily="34" charset="0"/>
+              </a:rPr>
+              <a:t>main</a:t>
+            </a:r>
+            <a:r>
+              <a:rPr lang="bg-BG" dirty="0">
+                <a:solidFill>
+                  <a:schemeClr val="tx1"/>
+                </a:solidFill>
+                <a:latin typeface="Arial" panose="020B0604020202020204" pitchFamily="34" charset="0"/>
+                <a:cs typeface="Arial" panose="020B0604020202020204" pitchFamily="34" charset="0"/>
+              </a:rPr>
+              <a:t>, ще се добави </a:t>
+            </a:r>
+            <a:r>
+              <a:rPr lang="en-US" b="1" dirty="0">
+                <a:solidFill>
+                  <a:schemeClr val="tx1"/>
+                </a:solidFill>
+                <a:latin typeface="Arial" panose="020B0604020202020204" pitchFamily="34" charset="0"/>
+                <a:cs typeface="Arial" panose="020B0604020202020204" pitchFamily="34" charset="0"/>
+              </a:rPr>
+              <a:t>commit</a:t>
+            </a:r>
+            <a:r>
+              <a:rPr lang="bg-BG" dirty="0">
+                <a:solidFill>
+                  <a:schemeClr val="tx1"/>
+                </a:solidFill>
+                <a:latin typeface="Arial" panose="020B0604020202020204" pitchFamily="34" charset="0"/>
+                <a:cs typeface="Arial" panose="020B0604020202020204" pitchFamily="34" charset="0"/>
+              </a:rPr>
+              <a:t>, който вече ще е част от историята на нашето </a:t>
+            </a:r>
+            <a:r>
+              <a:rPr lang="en-US" b="1" dirty="0">
+                <a:solidFill>
+                  <a:schemeClr val="tx1"/>
+                </a:solidFill>
+                <a:latin typeface="Arial" panose="020B0604020202020204" pitchFamily="34" charset="0"/>
+                <a:cs typeface="Arial" panose="020B0604020202020204" pitchFamily="34" charset="0"/>
+              </a:rPr>
+              <a:t>repository</a:t>
+            </a:r>
+            <a:r>
+              <a:rPr lang="en-US" dirty="0">
+                <a:solidFill>
+                  <a:schemeClr val="tx1"/>
+                </a:solidFill>
+                <a:latin typeface="Arial" panose="020B0604020202020204" pitchFamily="34" charset="0"/>
+                <a:cs typeface="Arial" panose="020B0604020202020204" pitchFamily="34" charset="0"/>
+              </a:rPr>
+              <a:t>.</a:t>
+            </a:r>
+          </a:p>
+          <a:p>
+            <a:pPr marL="0" indent="0">
+              <a:buNone/>
+            </a:pPr>
+            <a:endParaRPr lang="en-US" dirty="0">
+              <a:solidFill>
+                <a:schemeClr val="tx1"/>
+              </a:solidFill>
+              <a:latin typeface="Arial" panose="020B0604020202020204" pitchFamily="34" charset="0"/>
+              <a:cs typeface="Arial" panose="020B0604020202020204" pitchFamily="34" charset="0"/>
+            </a:endParaRPr>
+          </a:p>
+        </p:txBody>
+      </p:sp>
+    </p:spTree>
+    <p:extLst>
+      <p:ext uri="{BB962C8B-B14F-4D97-AF65-F5344CB8AC3E}">
+        <p14:creationId xmlns:p14="http://schemas.microsoft.com/office/powerpoint/2010/main" val="2124554577"/>
       </p:ext>
     </p:extLst>
   </p:cSld>
@@ -16491,6 +17421,1548 @@
     <p:extLst>
       <p:ext uri="{BB962C8B-B14F-4D97-AF65-F5344CB8AC3E}">
         <p14:creationId xmlns:p14="http://schemas.microsoft.com/office/powerpoint/2010/main" val="2653518310"/>
+      </p:ext>
+    </p:extLst>
+  </p:cSld>
+  <p:clrMapOvr>
+    <a:masterClrMapping/>
+  </p:clrMapOvr>
+</p:sld>
+</file>
+
+<file path=ppt/slides/slide20.xml><?xml version="1.0" encoding="utf-8"?>
+<p:sld xmlns:a="http://schemas.openxmlformats.org/drawingml/2006/main" xmlns:r="http://schemas.openxmlformats.org/officeDocument/2006/relationships" xmlns:p="http://schemas.openxmlformats.org/presentationml/2006/main">
+  <p:cSld>
+    <p:spTree>
+      <p:nvGrpSpPr>
+        <p:cNvPr id="1" name=""/>
+        <p:cNvGrpSpPr/>
+        <p:nvPr/>
+      </p:nvGrpSpPr>
+      <p:grpSpPr>
+        <a:xfrm>
+          <a:off x="0" y="0"/>
+          <a:ext cx="0" cy="0"/>
+          <a:chOff x="0" y="0"/>
+          <a:chExt cx="0" cy="0"/>
+        </a:xfrm>
+      </p:grpSpPr>
+      <p:sp>
+        <p:nvSpPr>
+          <p:cNvPr id="2" name="Title 1">
+            <a:extLst>
+              <a:ext uri="{FF2B5EF4-FFF2-40B4-BE49-F238E27FC236}">
+                <a16:creationId xmlns:a16="http://schemas.microsoft.com/office/drawing/2014/main" id="{487D4F5A-40BE-AD12-56D7-D359F1E7372F}"/>
+              </a:ext>
+            </a:extLst>
+          </p:cNvPr>
+          <p:cNvSpPr>
+            <a:spLocks noGrp="1"/>
+          </p:cNvSpPr>
+          <p:nvPr>
+            <p:ph type="title"/>
+          </p:nvPr>
+        </p:nvSpPr>
+        <p:spPr/>
+        <p:txBody>
+          <a:bodyPr/>
+          <a:lstStyle/>
+          <a:p>
+            <a:pPr algn="ctr"/>
+            <a:r>
+              <a:rPr lang="bg-BG" dirty="0">
+                <a:solidFill>
+                  <a:schemeClr val="bg1"/>
+                </a:solidFill>
+                <a:latin typeface="Arial" panose="020B0604020202020204" pitchFamily="34" charset="0"/>
+                <a:cs typeface="Arial" panose="020B0604020202020204" pitchFamily="34" charset="0"/>
+              </a:rPr>
+              <a:t>Добри практики при </a:t>
+            </a:r>
+            <a:r>
+              <a:rPr lang="en-US" dirty="0">
+                <a:solidFill>
+                  <a:schemeClr val="bg1"/>
+                </a:solidFill>
+                <a:latin typeface="Arial" panose="020B0604020202020204" pitchFamily="34" charset="0"/>
+                <a:cs typeface="Arial" panose="020B0604020202020204" pitchFamily="34" charset="0"/>
+              </a:rPr>
+              <a:t>commits</a:t>
+            </a:r>
+            <a:endParaRPr lang="bg-BG" dirty="0">
+              <a:solidFill>
+                <a:schemeClr val="bg1"/>
+              </a:solidFill>
+              <a:latin typeface="Arial" panose="020B0604020202020204" pitchFamily="34" charset="0"/>
+              <a:cs typeface="Arial" panose="020B0604020202020204" pitchFamily="34" charset="0"/>
+            </a:endParaRPr>
+          </a:p>
+        </p:txBody>
+      </p:sp>
+      <p:sp>
+        <p:nvSpPr>
+          <p:cNvPr id="3" name="Content Placeholder 2">
+            <a:extLst>
+              <a:ext uri="{FF2B5EF4-FFF2-40B4-BE49-F238E27FC236}">
+                <a16:creationId xmlns:a16="http://schemas.microsoft.com/office/drawing/2014/main" id="{37EE4118-88F9-D13D-C33B-2702DC8BE3E8}"/>
+              </a:ext>
+            </a:extLst>
+          </p:cNvPr>
+          <p:cNvSpPr>
+            <a:spLocks noGrp="1"/>
+          </p:cNvSpPr>
+          <p:nvPr>
+            <p:ph idx="1"/>
+          </p:nvPr>
+        </p:nvSpPr>
+        <p:spPr>
+          <a:xfrm>
+            <a:off x="1154955" y="2603500"/>
+            <a:ext cx="9340050" cy="4093862"/>
+          </a:xfrm>
+        </p:spPr>
+        <p:txBody>
+          <a:bodyPr>
+            <a:normAutofit fontScale="92500" lnSpcReduction="20000"/>
+          </a:bodyPr>
+          <a:lstStyle/>
+          <a:p>
+            <a:r>
+              <a:rPr lang="bg-BG" b="1" i="1" u="sng" dirty="0">
+                <a:latin typeface="Arial" panose="020B0604020202020204" pitchFamily="34" charset="0"/>
+                <a:cs typeface="Arial" panose="020B0604020202020204" pitchFamily="34" charset="0"/>
+              </a:rPr>
+              <a:t>Запомнете! </a:t>
+            </a:r>
+            <a:r>
+              <a:rPr lang="en-US" b="1" i="1" u="sng" dirty="0">
+                <a:latin typeface="Arial" panose="020B0604020202020204" pitchFamily="34" charset="0"/>
+                <a:cs typeface="Arial" panose="020B0604020202020204" pitchFamily="34" charset="0"/>
+              </a:rPr>
+              <a:t>: </a:t>
+            </a:r>
+            <a:r>
+              <a:rPr lang="bg-BG" dirty="0" err="1">
+                <a:latin typeface="Arial" panose="020B0604020202020204" pitchFamily="34" charset="0"/>
+                <a:cs typeface="Arial" panose="020B0604020202020204" pitchFamily="34" charset="0"/>
+              </a:rPr>
+              <a:t>Къмитите</a:t>
+            </a:r>
+            <a:r>
+              <a:rPr lang="bg-BG" dirty="0">
+                <a:latin typeface="Arial" panose="020B0604020202020204" pitchFamily="34" charset="0"/>
+                <a:cs typeface="Arial" panose="020B0604020202020204" pitchFamily="34" charset="0"/>
+              </a:rPr>
+              <a:t> не е хубаво да са много големи, т.е. да включват изключително много файлове.</a:t>
+            </a:r>
+          </a:p>
+          <a:p>
+            <a:r>
+              <a:rPr lang="bg-BG" b="1" i="1" u="sng" dirty="0">
+                <a:latin typeface="Arial" panose="020B0604020202020204" pitchFamily="34" charset="0"/>
+                <a:cs typeface="Arial" panose="020B0604020202020204" pitchFamily="34" charset="0"/>
+              </a:rPr>
+              <a:t>Запомнете! </a:t>
+            </a:r>
+            <a:r>
+              <a:rPr lang="en-US" b="1" i="1" u="sng" dirty="0">
+                <a:latin typeface="Arial" panose="020B0604020202020204" pitchFamily="34" charset="0"/>
+                <a:cs typeface="Arial" panose="020B0604020202020204" pitchFamily="34" charset="0"/>
+              </a:rPr>
+              <a:t>: </a:t>
+            </a:r>
+            <a:r>
+              <a:rPr lang="bg-BG" dirty="0" err="1">
+                <a:latin typeface="Arial" panose="020B0604020202020204" pitchFamily="34" charset="0"/>
+                <a:cs typeface="Arial" panose="020B0604020202020204" pitchFamily="34" charset="0"/>
+              </a:rPr>
+              <a:t>Къмитите</a:t>
+            </a:r>
+            <a:r>
+              <a:rPr lang="bg-BG" dirty="0">
+                <a:latin typeface="Arial" panose="020B0604020202020204" pitchFamily="34" charset="0"/>
+                <a:cs typeface="Arial" panose="020B0604020202020204" pitchFamily="34" charset="0"/>
+              </a:rPr>
+              <a:t> не е хубаво и да са много малки, да кажем не е нужно да правите </a:t>
+            </a:r>
+            <a:r>
+              <a:rPr lang="en-US" b="1" dirty="0">
+                <a:latin typeface="Arial" panose="020B0604020202020204" pitchFamily="34" charset="0"/>
+                <a:cs typeface="Arial" panose="020B0604020202020204" pitchFamily="34" charset="0"/>
+              </a:rPr>
+              <a:t>commit</a:t>
+            </a:r>
+            <a:r>
+              <a:rPr lang="bg-BG" dirty="0">
+                <a:latin typeface="Arial" panose="020B0604020202020204" pitchFamily="34" charset="0"/>
+                <a:cs typeface="Arial" panose="020B0604020202020204" pitchFamily="34" charset="0"/>
+              </a:rPr>
+              <a:t> за всяка дребна промяна в даден файл.</a:t>
+            </a:r>
+          </a:p>
+          <a:p>
+            <a:r>
+              <a:rPr lang="bg-BG" b="1" i="1" u="sng" dirty="0">
+                <a:latin typeface="Arial" panose="020B0604020202020204" pitchFamily="34" charset="0"/>
+                <a:cs typeface="Arial" panose="020B0604020202020204" pitchFamily="34" charset="0"/>
+              </a:rPr>
+              <a:t>Запомнете! </a:t>
+            </a:r>
+            <a:r>
+              <a:rPr lang="bg-BG" b="1" dirty="0">
+                <a:latin typeface="Arial" panose="020B0604020202020204" pitchFamily="34" charset="0"/>
+                <a:cs typeface="Arial" panose="020B0604020202020204" pitchFamily="34" charset="0"/>
+              </a:rPr>
+              <a:t>:</a:t>
+            </a:r>
+            <a:r>
+              <a:rPr lang="bg-BG" dirty="0">
+                <a:latin typeface="Arial" panose="020B0604020202020204" pitchFamily="34" charset="0"/>
+                <a:cs typeface="Arial" panose="020B0604020202020204" pitchFamily="34" charset="0"/>
+              </a:rPr>
+              <a:t> </a:t>
+            </a:r>
+            <a:r>
+              <a:rPr lang="bg-BG" dirty="0" err="1">
+                <a:latin typeface="Arial" panose="020B0604020202020204" pitchFamily="34" charset="0"/>
+                <a:cs typeface="Arial" panose="020B0604020202020204" pitchFamily="34" charset="0"/>
+              </a:rPr>
+              <a:t>Къмитите</a:t>
+            </a:r>
+            <a:r>
+              <a:rPr lang="bg-BG" dirty="0">
+                <a:latin typeface="Arial" panose="020B0604020202020204" pitchFamily="34" charset="0"/>
+                <a:cs typeface="Arial" panose="020B0604020202020204" pitchFamily="34" charset="0"/>
+              </a:rPr>
+              <a:t> са логически състояния на вашият проект, към които може да искате да се върнете впоследствие.</a:t>
+            </a:r>
+          </a:p>
+          <a:p>
+            <a:r>
+              <a:rPr lang="bg-BG" b="1" i="1" u="sng" dirty="0">
+                <a:latin typeface="Arial" panose="020B0604020202020204" pitchFamily="34" charset="0"/>
+                <a:cs typeface="Arial" panose="020B0604020202020204" pitchFamily="34" charset="0"/>
+              </a:rPr>
+              <a:t>Запомнете! </a:t>
+            </a:r>
+            <a:r>
+              <a:rPr lang="en-US" b="1" i="1" u="sng" dirty="0">
+                <a:latin typeface="Arial" panose="020B0604020202020204" pitchFamily="34" charset="0"/>
+                <a:cs typeface="Arial" panose="020B0604020202020204" pitchFamily="34" charset="0"/>
+              </a:rPr>
+              <a:t>: </a:t>
+            </a:r>
+            <a:r>
+              <a:rPr lang="bg-BG" dirty="0">
+                <a:latin typeface="Arial" panose="020B0604020202020204" pitchFamily="34" charset="0"/>
+                <a:cs typeface="Arial" panose="020B0604020202020204" pitchFamily="34" charset="0"/>
+              </a:rPr>
+              <a:t>Не вкарвайте две или повече неща в даден </a:t>
+            </a:r>
+            <a:r>
+              <a:rPr lang="en-US" b="1" dirty="0">
+                <a:latin typeface="Arial" panose="020B0604020202020204" pitchFamily="34" charset="0"/>
+                <a:cs typeface="Arial" panose="020B0604020202020204" pitchFamily="34" charset="0"/>
+              </a:rPr>
+              <a:t>commit</a:t>
+            </a:r>
+            <a:r>
+              <a:rPr lang="bg-BG" dirty="0">
+                <a:latin typeface="Arial" panose="020B0604020202020204" pitchFamily="34" charset="0"/>
+                <a:cs typeface="Arial" panose="020B0604020202020204" pitchFamily="34" charset="0"/>
+              </a:rPr>
+              <a:t>.</a:t>
+            </a:r>
+            <a:endParaRPr lang="en-US" dirty="0">
+              <a:latin typeface="Arial" panose="020B0604020202020204" pitchFamily="34" charset="0"/>
+              <a:cs typeface="Arial" panose="020B0604020202020204" pitchFamily="34" charset="0"/>
+            </a:endParaRPr>
+          </a:p>
+          <a:p>
+            <a:r>
+              <a:rPr lang="bg-BG" b="1" i="1" u="sng" dirty="0">
+                <a:latin typeface="Arial" panose="020B0604020202020204" pitchFamily="34" charset="0"/>
+                <a:cs typeface="Arial" panose="020B0604020202020204" pitchFamily="34" charset="0"/>
+              </a:rPr>
+              <a:t>Запомнете! </a:t>
+            </a:r>
+            <a:r>
+              <a:rPr lang="en-US" b="1" i="1" u="sng" dirty="0">
+                <a:latin typeface="Arial" panose="020B0604020202020204" pitchFamily="34" charset="0"/>
+                <a:cs typeface="Arial" panose="020B0604020202020204" pitchFamily="34" charset="0"/>
+              </a:rPr>
+              <a:t>:</a:t>
+            </a:r>
+            <a:r>
+              <a:rPr lang="bg-BG" dirty="0">
+                <a:latin typeface="Arial" panose="020B0604020202020204" pitchFamily="34" charset="0"/>
+                <a:cs typeface="Arial" panose="020B0604020202020204" pitchFamily="34" charset="0"/>
+              </a:rPr>
+              <a:t> Слагайте описателни имена на вашите </a:t>
+            </a:r>
+            <a:r>
+              <a:rPr lang="bg-BG" dirty="0" err="1">
+                <a:latin typeface="Arial" panose="020B0604020202020204" pitchFamily="34" charset="0"/>
+                <a:cs typeface="Arial" panose="020B0604020202020204" pitchFamily="34" charset="0"/>
+              </a:rPr>
+              <a:t>къмити</a:t>
+            </a:r>
+            <a:r>
+              <a:rPr lang="bg-BG" dirty="0">
+                <a:latin typeface="Arial" panose="020B0604020202020204" pitchFamily="34" charset="0"/>
+                <a:cs typeface="Arial" panose="020B0604020202020204" pitchFamily="34" charset="0"/>
+              </a:rPr>
+              <a:t>.</a:t>
+            </a:r>
+            <a:endParaRPr lang="en-US" dirty="0">
+              <a:latin typeface="Arial" panose="020B0604020202020204" pitchFamily="34" charset="0"/>
+              <a:cs typeface="Arial" panose="020B0604020202020204" pitchFamily="34" charset="0"/>
+            </a:endParaRPr>
+          </a:p>
+          <a:p>
+            <a:endParaRPr lang="bg-BG" dirty="0">
+              <a:latin typeface="Arial" panose="020B0604020202020204" pitchFamily="34" charset="0"/>
+              <a:cs typeface="Arial" panose="020B0604020202020204" pitchFamily="34" charset="0"/>
+            </a:endParaRPr>
+          </a:p>
+          <a:p>
+            <a:pPr marL="0" indent="0">
+              <a:buNone/>
+            </a:pPr>
+            <a:endParaRPr lang="bg-BG" dirty="0">
+              <a:latin typeface="Arial" panose="020B0604020202020204" pitchFamily="34" charset="0"/>
+              <a:cs typeface="Arial" panose="020B0604020202020204" pitchFamily="34" charset="0"/>
+            </a:endParaRPr>
+          </a:p>
+          <a:p>
+            <a:r>
+              <a:rPr lang="bg-BG" dirty="0">
+                <a:latin typeface="Arial" panose="020B0604020202020204" pitchFamily="34" charset="0"/>
+                <a:cs typeface="Arial" panose="020B0604020202020204" pitchFamily="34" charset="0"/>
+              </a:rPr>
+              <a:t>При </a:t>
+            </a:r>
+            <a:r>
+              <a:rPr lang="bg-BG" dirty="0" err="1">
+                <a:latin typeface="Arial" panose="020B0604020202020204" pitchFamily="34" charset="0"/>
+                <a:cs typeface="Arial" panose="020B0604020202020204" pitchFamily="34" charset="0"/>
+              </a:rPr>
+              <a:t>къмитване</a:t>
+            </a:r>
+            <a:r>
+              <a:rPr lang="bg-BG" dirty="0">
+                <a:latin typeface="Arial" panose="020B0604020202020204" pitchFamily="34" charset="0"/>
+                <a:cs typeface="Arial" panose="020B0604020202020204" pitchFamily="34" charset="0"/>
+              </a:rPr>
+              <a:t> някои хора използват сегашно време, други минало време:</a:t>
+            </a:r>
+          </a:p>
+          <a:p>
+            <a:r>
+              <a:rPr lang="bg-BG" b="1" i="1" u="sng" dirty="0">
+                <a:latin typeface="Arial" panose="020B0604020202020204" pitchFamily="34" charset="0"/>
+                <a:cs typeface="Arial" panose="020B0604020202020204" pitchFamily="34" charset="0"/>
+              </a:rPr>
+              <a:t>Пример:</a:t>
+            </a:r>
+            <a:r>
+              <a:rPr lang="bg-BG" dirty="0">
+                <a:latin typeface="Arial" panose="020B0604020202020204" pitchFamily="34" charset="0"/>
+                <a:cs typeface="Arial" panose="020B0604020202020204" pitchFamily="34" charset="0"/>
+              </a:rPr>
+              <a:t> </a:t>
+            </a:r>
+            <a:r>
+              <a:rPr lang="en-US" b="1" dirty="0">
+                <a:solidFill>
+                  <a:schemeClr val="accent5">
+                    <a:lumMod val="75000"/>
+                  </a:schemeClr>
+                </a:solidFill>
+                <a:latin typeface="Arial" panose="020B0604020202020204" pitchFamily="34" charset="0"/>
+                <a:cs typeface="Arial" panose="020B0604020202020204" pitchFamily="34" charset="0"/>
+              </a:rPr>
+              <a:t>Fix</a:t>
+            </a:r>
+            <a:r>
+              <a:rPr lang="en-US" b="1" dirty="0">
+                <a:latin typeface="Arial" panose="020B0604020202020204" pitchFamily="34" charset="0"/>
+                <a:cs typeface="Arial" panose="020B0604020202020204" pitchFamily="34" charset="0"/>
+              </a:rPr>
+              <a:t> bug with TCP connection </a:t>
+            </a:r>
+            <a:r>
+              <a:rPr lang="en-US" dirty="0">
+                <a:latin typeface="Arial" panose="020B0604020202020204" pitchFamily="34" charset="0"/>
+                <a:cs typeface="Arial" panose="020B0604020202020204" pitchFamily="34" charset="0"/>
+              </a:rPr>
+              <a:t>(</a:t>
+            </a:r>
+            <a:r>
+              <a:rPr lang="bg-BG" dirty="0">
+                <a:solidFill>
+                  <a:schemeClr val="accent5">
+                    <a:lumMod val="75000"/>
+                  </a:schemeClr>
+                </a:solidFill>
+                <a:latin typeface="Arial" panose="020B0604020202020204" pitchFamily="34" charset="0"/>
+                <a:cs typeface="Arial" panose="020B0604020202020204" pitchFamily="34" charset="0"/>
+              </a:rPr>
+              <a:t>сегашно време</a:t>
+            </a:r>
+            <a:r>
+              <a:rPr lang="en-US" dirty="0">
+                <a:latin typeface="Arial" panose="020B0604020202020204" pitchFamily="34" charset="0"/>
+                <a:cs typeface="Arial" panose="020B0604020202020204" pitchFamily="34" charset="0"/>
+              </a:rPr>
+              <a:t>)</a:t>
+            </a:r>
+            <a:r>
+              <a:rPr lang="bg-BG" dirty="0">
+                <a:latin typeface="Arial" panose="020B0604020202020204" pitchFamily="34" charset="0"/>
+                <a:cs typeface="Arial" panose="020B0604020202020204" pitchFamily="34" charset="0"/>
+              </a:rPr>
+              <a:t> или </a:t>
+            </a:r>
+            <a:r>
+              <a:rPr lang="en-US" b="1" dirty="0">
+                <a:solidFill>
+                  <a:schemeClr val="accent5">
+                    <a:lumMod val="75000"/>
+                  </a:schemeClr>
+                </a:solidFill>
+                <a:latin typeface="Arial" panose="020B0604020202020204" pitchFamily="34" charset="0"/>
+                <a:cs typeface="Arial" panose="020B0604020202020204" pitchFamily="34" charset="0"/>
+              </a:rPr>
+              <a:t>Fixed</a:t>
+            </a:r>
+            <a:r>
+              <a:rPr lang="en-US" b="1" dirty="0">
+                <a:latin typeface="Arial" panose="020B0604020202020204" pitchFamily="34" charset="0"/>
+                <a:cs typeface="Arial" panose="020B0604020202020204" pitchFamily="34" charset="0"/>
+              </a:rPr>
+              <a:t> bug with TCP connection </a:t>
+            </a:r>
+            <a:r>
+              <a:rPr lang="en-US" dirty="0">
+                <a:latin typeface="Arial" panose="020B0604020202020204" pitchFamily="34" charset="0"/>
+                <a:cs typeface="Arial" panose="020B0604020202020204" pitchFamily="34" charset="0"/>
+              </a:rPr>
+              <a:t>(</a:t>
+            </a:r>
+            <a:r>
+              <a:rPr lang="bg-BG" dirty="0">
+                <a:solidFill>
+                  <a:schemeClr val="accent5">
+                    <a:lumMod val="75000"/>
+                  </a:schemeClr>
+                </a:solidFill>
+                <a:latin typeface="Arial" panose="020B0604020202020204" pitchFamily="34" charset="0"/>
+                <a:cs typeface="Arial" panose="020B0604020202020204" pitchFamily="34" charset="0"/>
+              </a:rPr>
+              <a:t>минало време</a:t>
+            </a:r>
+            <a:r>
+              <a:rPr lang="en-US" dirty="0">
+                <a:latin typeface="Arial" panose="020B0604020202020204" pitchFamily="34" charset="0"/>
+                <a:cs typeface="Arial" panose="020B0604020202020204" pitchFamily="34" charset="0"/>
+              </a:rPr>
+              <a:t>)</a:t>
+            </a:r>
+          </a:p>
+          <a:p>
+            <a:endParaRPr lang="bg-BG" dirty="0">
+              <a:latin typeface="Arial" panose="020B0604020202020204" pitchFamily="34" charset="0"/>
+              <a:cs typeface="Arial" panose="020B0604020202020204" pitchFamily="34" charset="0"/>
+            </a:endParaRPr>
+          </a:p>
+          <a:p>
+            <a:endParaRPr lang="bg-BG" dirty="0"/>
+          </a:p>
+        </p:txBody>
+      </p:sp>
+    </p:spTree>
+    <p:extLst>
+      <p:ext uri="{BB962C8B-B14F-4D97-AF65-F5344CB8AC3E}">
+        <p14:creationId xmlns:p14="http://schemas.microsoft.com/office/powerpoint/2010/main" val="2894041920"/>
+      </p:ext>
+    </p:extLst>
+  </p:cSld>
+  <p:clrMapOvr>
+    <a:masterClrMapping/>
+  </p:clrMapOvr>
+</p:sld>
+</file>
+
+<file path=ppt/slides/slide21.xml><?xml version="1.0" encoding="utf-8"?>
+<p:sld xmlns:a="http://schemas.openxmlformats.org/drawingml/2006/main" xmlns:r="http://schemas.openxmlformats.org/officeDocument/2006/relationships" xmlns:p="http://schemas.openxmlformats.org/presentationml/2006/main">
+  <p:cSld>
+    <p:spTree>
+      <p:nvGrpSpPr>
+        <p:cNvPr id="1" name=""/>
+        <p:cNvGrpSpPr/>
+        <p:nvPr/>
+      </p:nvGrpSpPr>
+      <p:grpSpPr>
+        <a:xfrm>
+          <a:off x="0" y="0"/>
+          <a:ext cx="0" cy="0"/>
+          <a:chOff x="0" y="0"/>
+          <a:chExt cx="0" cy="0"/>
+        </a:xfrm>
+      </p:grpSpPr>
+      <p:sp>
+        <p:nvSpPr>
+          <p:cNvPr id="2" name="Title 1">
+            <a:extLst>
+              <a:ext uri="{FF2B5EF4-FFF2-40B4-BE49-F238E27FC236}">
+                <a16:creationId xmlns:a16="http://schemas.microsoft.com/office/drawing/2014/main" id="{C021FF04-AD60-1C8E-F040-E06796DC586D}"/>
+              </a:ext>
+            </a:extLst>
+          </p:cNvPr>
+          <p:cNvSpPr>
+            <a:spLocks noGrp="1"/>
+          </p:cNvSpPr>
+          <p:nvPr>
+            <p:ph type="title"/>
+          </p:nvPr>
+        </p:nvSpPr>
+        <p:spPr/>
+        <p:txBody>
+          <a:bodyPr/>
+          <a:lstStyle/>
+          <a:p>
+            <a:pPr algn="ctr"/>
+            <a:r>
+              <a:rPr lang="en-US" dirty="0" err="1">
+                <a:solidFill>
+                  <a:schemeClr val="bg1"/>
+                </a:solidFill>
+                <a:latin typeface="Arial" panose="020B0604020202020204" pitchFamily="34" charset="0"/>
+                <a:cs typeface="Arial" panose="020B0604020202020204" pitchFamily="34" charset="0"/>
+              </a:rPr>
+              <a:t>Unstage</a:t>
+            </a:r>
+            <a:r>
+              <a:rPr lang="en-US" dirty="0">
+                <a:solidFill>
+                  <a:schemeClr val="bg1"/>
+                </a:solidFill>
+                <a:latin typeface="Arial" panose="020B0604020202020204" pitchFamily="34" charset="0"/>
+                <a:cs typeface="Arial" panose="020B0604020202020204" pitchFamily="34" charset="0"/>
+              </a:rPr>
+              <a:t> changes/files</a:t>
+            </a:r>
+            <a:endParaRPr lang="bg-BG" dirty="0">
+              <a:solidFill>
+                <a:schemeClr val="bg1"/>
+              </a:solidFill>
+              <a:latin typeface="Arial" panose="020B0604020202020204" pitchFamily="34" charset="0"/>
+              <a:cs typeface="Arial" panose="020B0604020202020204" pitchFamily="34" charset="0"/>
+            </a:endParaRPr>
+          </a:p>
+        </p:txBody>
+      </p:sp>
+      <p:sp>
+        <p:nvSpPr>
+          <p:cNvPr id="3" name="Content Placeholder 2">
+            <a:extLst>
+              <a:ext uri="{FF2B5EF4-FFF2-40B4-BE49-F238E27FC236}">
+                <a16:creationId xmlns:a16="http://schemas.microsoft.com/office/drawing/2014/main" id="{4D4A67E4-4917-398F-F57D-FA150EB398B8}"/>
+              </a:ext>
+            </a:extLst>
+          </p:cNvPr>
+          <p:cNvSpPr>
+            <a:spLocks noGrp="1"/>
+          </p:cNvSpPr>
+          <p:nvPr>
+            <p:ph idx="1"/>
+          </p:nvPr>
+        </p:nvSpPr>
+        <p:spPr/>
+        <p:txBody>
+          <a:bodyPr/>
+          <a:lstStyle/>
+          <a:p>
+            <a:r>
+              <a:rPr lang="bg-BG" dirty="0">
+                <a:latin typeface="Arial" panose="020B0604020202020204" pitchFamily="34" charset="0"/>
+                <a:cs typeface="Arial" panose="020B0604020202020204" pitchFamily="34" charset="0"/>
+              </a:rPr>
+              <a:t>Командата, с която можем да направим </a:t>
+            </a:r>
+            <a:r>
+              <a:rPr lang="en-US" b="1" dirty="0" err="1">
+                <a:latin typeface="Arial" panose="020B0604020202020204" pitchFamily="34" charset="0"/>
+                <a:cs typeface="Arial" panose="020B0604020202020204" pitchFamily="34" charset="0"/>
+              </a:rPr>
+              <a:t>unstage</a:t>
+            </a:r>
+            <a:r>
+              <a:rPr lang="en-US" dirty="0">
+                <a:latin typeface="Arial" panose="020B0604020202020204" pitchFamily="34" charset="0"/>
+                <a:cs typeface="Arial" panose="020B0604020202020204" pitchFamily="34" charset="0"/>
+              </a:rPr>
+              <a:t> </a:t>
+            </a:r>
+            <a:r>
+              <a:rPr lang="bg-BG" dirty="0">
+                <a:latin typeface="Arial" panose="020B0604020202020204" pitchFamily="34" charset="0"/>
+                <a:cs typeface="Arial" panose="020B0604020202020204" pitchFamily="34" charset="0"/>
+              </a:rPr>
+              <a:t>на файлове и промени е: </a:t>
+            </a:r>
+          </a:p>
+          <a:p>
+            <a:pPr marL="0" indent="0">
+              <a:buNone/>
+            </a:pPr>
+            <a:r>
+              <a:rPr lang="bg-BG" b="1" dirty="0">
+                <a:latin typeface="Arial" panose="020B0604020202020204" pitchFamily="34" charset="0"/>
+                <a:cs typeface="Arial" panose="020B0604020202020204" pitchFamily="34" charset="0"/>
+              </a:rPr>
+              <a:t>      </a:t>
+            </a:r>
+            <a:r>
+              <a:rPr lang="en-US" b="1" dirty="0">
+                <a:latin typeface="Arial" panose="020B0604020202020204" pitchFamily="34" charset="0"/>
+                <a:cs typeface="Arial" panose="020B0604020202020204" pitchFamily="34" charset="0"/>
+              </a:rPr>
+              <a:t>git restore --staged </a:t>
+            </a:r>
+            <a:r>
+              <a:rPr lang="en-US" dirty="0">
+                <a:solidFill>
+                  <a:schemeClr val="accent5">
+                    <a:lumMod val="75000"/>
+                  </a:schemeClr>
+                </a:solidFill>
+                <a:latin typeface="Arial" panose="020B0604020202020204" pitchFamily="34" charset="0"/>
+                <a:cs typeface="Arial" panose="020B0604020202020204" pitchFamily="34" charset="0"/>
+              </a:rPr>
+              <a:t>&lt;file&gt;</a:t>
+            </a:r>
+          </a:p>
+          <a:p>
+            <a:r>
+              <a:rPr lang="bg-BG" dirty="0">
+                <a:latin typeface="Arial" panose="020B0604020202020204" pitchFamily="34" charset="0"/>
+                <a:cs typeface="Arial" panose="020B0604020202020204" pitchFamily="34" charset="0"/>
+              </a:rPr>
+              <a:t>Ако искаме да направим </a:t>
+            </a:r>
+            <a:r>
+              <a:rPr lang="en-US" b="1" dirty="0" err="1">
+                <a:latin typeface="Arial" panose="020B0604020202020204" pitchFamily="34" charset="0"/>
+                <a:cs typeface="Arial" panose="020B0604020202020204" pitchFamily="34" charset="0"/>
+              </a:rPr>
+              <a:t>unstage</a:t>
+            </a:r>
+            <a:r>
+              <a:rPr lang="bg-BG" dirty="0">
+                <a:latin typeface="Arial" panose="020B0604020202020204" pitchFamily="34" charset="0"/>
+                <a:cs typeface="Arial" panose="020B0604020202020204" pitchFamily="34" charset="0"/>
+              </a:rPr>
+              <a:t> на всички файлове и директории в текущата директория, можем да използваме командата: </a:t>
+            </a:r>
+          </a:p>
+          <a:p>
+            <a:pPr marL="0" indent="0">
+              <a:buNone/>
+            </a:pPr>
+            <a:r>
+              <a:rPr lang="bg-BG" dirty="0">
+                <a:latin typeface="Arial" panose="020B0604020202020204" pitchFamily="34" charset="0"/>
+                <a:cs typeface="Arial" panose="020B0604020202020204" pitchFamily="34" charset="0"/>
+              </a:rPr>
+              <a:t>      </a:t>
+            </a:r>
+            <a:r>
+              <a:rPr lang="en-US" b="1" dirty="0">
+                <a:latin typeface="Arial" panose="020B0604020202020204" pitchFamily="34" charset="0"/>
+                <a:cs typeface="Arial" panose="020B0604020202020204" pitchFamily="34" charset="0"/>
+              </a:rPr>
+              <a:t>git restore --staged </a:t>
+            </a:r>
+            <a:r>
+              <a:rPr lang="bg-BG" b="1" dirty="0">
+                <a:solidFill>
+                  <a:schemeClr val="tx1"/>
+                </a:solidFill>
+                <a:latin typeface="Arial" panose="020B0604020202020204" pitchFamily="34" charset="0"/>
+                <a:cs typeface="Arial" panose="020B0604020202020204" pitchFamily="34" charset="0"/>
+              </a:rPr>
+              <a:t>.</a:t>
+            </a:r>
+            <a:endParaRPr lang="en-US" b="1" dirty="0">
+              <a:solidFill>
+                <a:schemeClr val="tx1"/>
+              </a:solidFill>
+              <a:latin typeface="Arial" panose="020B0604020202020204" pitchFamily="34" charset="0"/>
+              <a:cs typeface="Arial" panose="020B0604020202020204" pitchFamily="34" charset="0"/>
+            </a:endParaRPr>
+          </a:p>
+          <a:p>
+            <a:pPr marL="0" indent="0">
+              <a:buNone/>
+            </a:pPr>
+            <a:endParaRPr lang="bg-BG" dirty="0"/>
+          </a:p>
+        </p:txBody>
+      </p:sp>
+    </p:spTree>
+    <p:extLst>
+      <p:ext uri="{BB962C8B-B14F-4D97-AF65-F5344CB8AC3E}">
+        <p14:creationId xmlns:p14="http://schemas.microsoft.com/office/powerpoint/2010/main" val="4270649442"/>
+      </p:ext>
+    </p:extLst>
+  </p:cSld>
+  <p:clrMapOvr>
+    <a:masterClrMapping/>
+  </p:clrMapOvr>
+</p:sld>
+</file>
+
+<file path=ppt/slides/slide22.xml><?xml version="1.0" encoding="utf-8"?>
+<p:sld xmlns:a="http://schemas.openxmlformats.org/drawingml/2006/main" xmlns:r="http://schemas.openxmlformats.org/officeDocument/2006/relationships" xmlns:p="http://schemas.openxmlformats.org/presentationml/2006/main">
+  <p:cSld>
+    <p:spTree>
+      <p:nvGrpSpPr>
+        <p:cNvPr id="1" name=""/>
+        <p:cNvGrpSpPr/>
+        <p:nvPr/>
+      </p:nvGrpSpPr>
+      <p:grpSpPr>
+        <a:xfrm>
+          <a:off x="0" y="0"/>
+          <a:ext cx="0" cy="0"/>
+          <a:chOff x="0" y="0"/>
+          <a:chExt cx="0" cy="0"/>
+        </a:xfrm>
+      </p:grpSpPr>
+      <p:sp>
+        <p:nvSpPr>
+          <p:cNvPr id="2" name="Title 1">
+            <a:extLst>
+              <a:ext uri="{FF2B5EF4-FFF2-40B4-BE49-F238E27FC236}">
+                <a16:creationId xmlns:a16="http://schemas.microsoft.com/office/drawing/2014/main" id="{C021FF04-AD60-1C8E-F040-E06796DC586D}"/>
+              </a:ext>
+            </a:extLst>
+          </p:cNvPr>
+          <p:cNvSpPr>
+            <a:spLocks noGrp="1"/>
+          </p:cNvSpPr>
+          <p:nvPr>
+            <p:ph type="title"/>
+          </p:nvPr>
+        </p:nvSpPr>
+        <p:spPr/>
+        <p:txBody>
+          <a:bodyPr/>
+          <a:lstStyle/>
+          <a:p>
+            <a:pPr algn="ctr"/>
+            <a:r>
+              <a:rPr lang="en-US" dirty="0">
+                <a:solidFill>
+                  <a:schemeClr val="bg1"/>
+                </a:solidFill>
+                <a:latin typeface="Arial" panose="020B0604020202020204" pitchFamily="34" charset="0"/>
+                <a:cs typeface="Arial" panose="020B0604020202020204" pitchFamily="34" charset="0"/>
+              </a:rPr>
+              <a:t>Discard local changes</a:t>
+            </a:r>
+            <a:endParaRPr lang="bg-BG" dirty="0">
+              <a:solidFill>
+                <a:schemeClr val="bg1"/>
+              </a:solidFill>
+              <a:latin typeface="Arial" panose="020B0604020202020204" pitchFamily="34" charset="0"/>
+              <a:cs typeface="Arial" panose="020B0604020202020204" pitchFamily="34" charset="0"/>
+            </a:endParaRPr>
+          </a:p>
+        </p:txBody>
+      </p:sp>
+      <p:sp>
+        <p:nvSpPr>
+          <p:cNvPr id="3" name="Content Placeholder 2">
+            <a:extLst>
+              <a:ext uri="{FF2B5EF4-FFF2-40B4-BE49-F238E27FC236}">
+                <a16:creationId xmlns:a16="http://schemas.microsoft.com/office/drawing/2014/main" id="{4D4A67E4-4917-398F-F57D-FA150EB398B8}"/>
+              </a:ext>
+            </a:extLst>
+          </p:cNvPr>
+          <p:cNvSpPr>
+            <a:spLocks noGrp="1"/>
+          </p:cNvSpPr>
+          <p:nvPr>
+            <p:ph idx="1"/>
+          </p:nvPr>
+        </p:nvSpPr>
+        <p:spPr/>
+        <p:txBody>
+          <a:bodyPr/>
+          <a:lstStyle/>
+          <a:p>
+            <a:r>
+              <a:rPr lang="bg-BG" dirty="0">
+                <a:latin typeface="Arial" panose="020B0604020202020204" pitchFamily="34" charset="0"/>
+                <a:cs typeface="Arial" panose="020B0604020202020204" pitchFamily="34" charset="0"/>
+              </a:rPr>
+              <a:t>Командата, с която можем да направим </a:t>
+            </a:r>
+            <a:r>
+              <a:rPr lang="en-US" b="1" dirty="0">
+                <a:latin typeface="Arial" panose="020B0604020202020204" pitchFamily="34" charset="0"/>
+                <a:cs typeface="Arial" panose="020B0604020202020204" pitchFamily="34" charset="0"/>
+              </a:rPr>
+              <a:t>discard</a:t>
+            </a:r>
+            <a:r>
+              <a:rPr lang="bg-BG" b="1" dirty="0">
+                <a:latin typeface="Arial" panose="020B0604020202020204" pitchFamily="34" charset="0"/>
+                <a:cs typeface="Arial" panose="020B0604020202020204" pitchFamily="34" charset="0"/>
+              </a:rPr>
+              <a:t> (връщане)</a:t>
+            </a:r>
+            <a:r>
+              <a:rPr lang="en-US" dirty="0">
+                <a:latin typeface="Arial" panose="020B0604020202020204" pitchFamily="34" charset="0"/>
+                <a:cs typeface="Arial" panose="020B0604020202020204" pitchFamily="34" charset="0"/>
+              </a:rPr>
+              <a:t> </a:t>
+            </a:r>
+            <a:r>
+              <a:rPr lang="bg-BG" dirty="0">
+                <a:latin typeface="Arial" panose="020B0604020202020204" pitchFamily="34" charset="0"/>
+                <a:cs typeface="Arial" panose="020B0604020202020204" pitchFamily="34" charset="0"/>
+              </a:rPr>
+              <a:t>на локални промени е: </a:t>
+            </a:r>
+          </a:p>
+          <a:p>
+            <a:pPr marL="0" indent="0">
+              <a:buNone/>
+            </a:pPr>
+            <a:r>
+              <a:rPr lang="bg-BG" b="1" dirty="0">
+                <a:latin typeface="Arial" panose="020B0604020202020204" pitchFamily="34" charset="0"/>
+                <a:cs typeface="Arial" panose="020B0604020202020204" pitchFamily="34" charset="0"/>
+              </a:rPr>
+              <a:t>      </a:t>
+            </a:r>
+            <a:r>
+              <a:rPr lang="en-US" b="1" dirty="0">
+                <a:latin typeface="Arial" panose="020B0604020202020204" pitchFamily="34" charset="0"/>
+                <a:cs typeface="Arial" panose="020B0604020202020204" pitchFamily="34" charset="0"/>
+              </a:rPr>
+              <a:t>git restore </a:t>
+            </a:r>
+            <a:r>
+              <a:rPr lang="en-US" dirty="0">
+                <a:solidFill>
+                  <a:schemeClr val="accent5">
+                    <a:lumMod val="75000"/>
+                  </a:schemeClr>
+                </a:solidFill>
+                <a:latin typeface="Arial" panose="020B0604020202020204" pitchFamily="34" charset="0"/>
+                <a:cs typeface="Arial" panose="020B0604020202020204" pitchFamily="34" charset="0"/>
+              </a:rPr>
+              <a:t>&lt;file</a:t>
+            </a:r>
+            <a:r>
+              <a:rPr lang="bg-BG" dirty="0">
+                <a:solidFill>
+                  <a:schemeClr val="accent5">
+                    <a:lumMod val="75000"/>
+                  </a:schemeClr>
+                </a:solidFill>
+                <a:latin typeface="Arial" panose="020B0604020202020204" pitchFamily="34" charset="0"/>
+                <a:cs typeface="Arial" panose="020B0604020202020204" pitchFamily="34" charset="0"/>
+              </a:rPr>
+              <a:t>1</a:t>
+            </a:r>
+            <a:r>
+              <a:rPr lang="en-US" dirty="0">
+                <a:solidFill>
+                  <a:schemeClr val="accent5">
+                    <a:lumMod val="75000"/>
+                  </a:schemeClr>
+                </a:solidFill>
+                <a:latin typeface="Arial" panose="020B0604020202020204" pitchFamily="34" charset="0"/>
+                <a:cs typeface="Arial" panose="020B0604020202020204" pitchFamily="34" charset="0"/>
+              </a:rPr>
+              <a:t>&gt;</a:t>
+            </a:r>
+            <a:r>
+              <a:rPr lang="bg-BG" dirty="0">
+                <a:solidFill>
+                  <a:schemeClr val="accent5">
+                    <a:lumMod val="75000"/>
+                  </a:schemeClr>
+                </a:solidFill>
+                <a:latin typeface="Arial" panose="020B0604020202020204" pitchFamily="34" charset="0"/>
+                <a:cs typeface="Arial" panose="020B0604020202020204" pitchFamily="34" charset="0"/>
+              </a:rPr>
+              <a:t> </a:t>
+            </a:r>
+            <a:r>
+              <a:rPr lang="en-US" dirty="0">
+                <a:solidFill>
+                  <a:schemeClr val="accent5">
+                    <a:lumMod val="75000"/>
+                  </a:schemeClr>
+                </a:solidFill>
+                <a:latin typeface="Arial" panose="020B0604020202020204" pitchFamily="34" charset="0"/>
+                <a:cs typeface="Arial" panose="020B0604020202020204" pitchFamily="34" charset="0"/>
+              </a:rPr>
+              <a:t>&lt;file</a:t>
+            </a:r>
+            <a:r>
+              <a:rPr lang="bg-BG" dirty="0">
+                <a:solidFill>
+                  <a:schemeClr val="accent5">
+                    <a:lumMod val="75000"/>
+                  </a:schemeClr>
+                </a:solidFill>
+                <a:latin typeface="Arial" panose="020B0604020202020204" pitchFamily="34" charset="0"/>
+                <a:cs typeface="Arial" panose="020B0604020202020204" pitchFamily="34" charset="0"/>
+              </a:rPr>
+              <a:t>2</a:t>
+            </a:r>
+            <a:r>
+              <a:rPr lang="en-US" dirty="0">
+                <a:solidFill>
+                  <a:schemeClr val="accent5">
+                    <a:lumMod val="75000"/>
+                  </a:schemeClr>
+                </a:solidFill>
+                <a:latin typeface="Arial" panose="020B0604020202020204" pitchFamily="34" charset="0"/>
+                <a:cs typeface="Arial" panose="020B0604020202020204" pitchFamily="34" charset="0"/>
+              </a:rPr>
+              <a:t>&gt;</a:t>
+            </a:r>
+          </a:p>
+          <a:p>
+            <a:pPr marL="0" indent="0">
+              <a:buNone/>
+            </a:pPr>
+            <a:endParaRPr lang="en-US" dirty="0">
+              <a:solidFill>
+                <a:schemeClr val="accent5">
+                  <a:lumMod val="75000"/>
+                </a:schemeClr>
+              </a:solidFill>
+              <a:latin typeface="Arial" panose="020B0604020202020204" pitchFamily="34" charset="0"/>
+              <a:cs typeface="Arial" panose="020B0604020202020204" pitchFamily="34" charset="0"/>
+            </a:endParaRPr>
+          </a:p>
+          <a:p>
+            <a:r>
+              <a:rPr lang="bg-BG" dirty="0">
+                <a:latin typeface="Arial" panose="020B0604020202020204" pitchFamily="34" charset="0"/>
+                <a:cs typeface="Arial" panose="020B0604020202020204" pitchFamily="34" charset="0"/>
+              </a:rPr>
+              <a:t>Ако искаме да направим </a:t>
+            </a:r>
+            <a:r>
+              <a:rPr lang="en-US" b="1" dirty="0">
+                <a:latin typeface="Arial" panose="020B0604020202020204" pitchFamily="34" charset="0"/>
+                <a:cs typeface="Arial" panose="020B0604020202020204" pitchFamily="34" charset="0"/>
+              </a:rPr>
+              <a:t>discard</a:t>
+            </a:r>
+            <a:r>
+              <a:rPr lang="bg-BG" b="1" dirty="0">
+                <a:latin typeface="Arial" panose="020B0604020202020204" pitchFamily="34" charset="0"/>
+                <a:cs typeface="Arial" panose="020B0604020202020204" pitchFamily="34" charset="0"/>
+              </a:rPr>
+              <a:t> (връщане)</a:t>
+            </a:r>
+            <a:r>
+              <a:rPr lang="bg-BG" dirty="0">
+                <a:latin typeface="Arial" panose="020B0604020202020204" pitchFamily="34" charset="0"/>
+                <a:cs typeface="Arial" panose="020B0604020202020204" pitchFamily="34" charset="0"/>
+              </a:rPr>
+              <a:t> на всички локални промени в </a:t>
+            </a:r>
+            <a:r>
+              <a:rPr lang="en-US" dirty="0">
+                <a:latin typeface="Arial" panose="020B0604020202020204" pitchFamily="34" charset="0"/>
+                <a:cs typeface="Arial" panose="020B0604020202020204" pitchFamily="34" charset="0"/>
+              </a:rPr>
+              <a:t>repository-</a:t>
+            </a:r>
+            <a:r>
+              <a:rPr lang="bg-BG" dirty="0">
+                <a:latin typeface="Arial" panose="020B0604020202020204" pitchFamily="34" charset="0"/>
+                <a:cs typeface="Arial" panose="020B0604020202020204" pitchFamily="34" charset="0"/>
+              </a:rPr>
+              <a:t>то</a:t>
+            </a:r>
+            <a:r>
+              <a:rPr lang="en-US" dirty="0">
+                <a:latin typeface="Arial" panose="020B0604020202020204" pitchFamily="34" charset="0"/>
+                <a:cs typeface="Arial" panose="020B0604020202020204" pitchFamily="34" charset="0"/>
+              </a:rPr>
+              <a:t>, </a:t>
+            </a:r>
+            <a:r>
+              <a:rPr lang="bg-BG" dirty="0">
+                <a:latin typeface="Arial" panose="020B0604020202020204" pitchFamily="34" charset="0"/>
+                <a:cs typeface="Arial" panose="020B0604020202020204" pitchFamily="34" charset="0"/>
+              </a:rPr>
+              <a:t>можем да използваме командата:</a:t>
+            </a:r>
+          </a:p>
+          <a:p>
+            <a:pPr marL="0" indent="0">
+              <a:buNone/>
+            </a:pPr>
+            <a:r>
+              <a:rPr lang="bg-BG" b="1" dirty="0">
+                <a:latin typeface="Arial" panose="020B0604020202020204" pitchFamily="34" charset="0"/>
+                <a:cs typeface="Arial" panose="020B0604020202020204" pitchFamily="34" charset="0"/>
+              </a:rPr>
+              <a:t>     </a:t>
+            </a:r>
+            <a:r>
+              <a:rPr lang="en-US" b="1" dirty="0">
+                <a:latin typeface="Arial" panose="020B0604020202020204" pitchFamily="34" charset="0"/>
+                <a:cs typeface="Arial" panose="020B0604020202020204" pitchFamily="34" charset="0"/>
+              </a:rPr>
+              <a:t>git restore </a:t>
+            </a:r>
+            <a:r>
+              <a:rPr lang="bg-BG" b="1" dirty="0">
+                <a:solidFill>
+                  <a:schemeClr val="tx1"/>
+                </a:solidFill>
+                <a:latin typeface="Arial" panose="020B0604020202020204" pitchFamily="34" charset="0"/>
+                <a:cs typeface="Arial" panose="020B0604020202020204" pitchFamily="34" charset="0"/>
+              </a:rPr>
+              <a:t>.</a:t>
+            </a:r>
+            <a:endParaRPr lang="en-US" b="1" dirty="0">
+              <a:solidFill>
+                <a:schemeClr val="tx1"/>
+              </a:solidFill>
+              <a:latin typeface="Arial" panose="020B0604020202020204" pitchFamily="34" charset="0"/>
+              <a:cs typeface="Arial" panose="020B0604020202020204" pitchFamily="34" charset="0"/>
+            </a:endParaRPr>
+          </a:p>
+          <a:p>
+            <a:pPr marL="0" indent="0">
+              <a:buNone/>
+            </a:pPr>
+            <a:endParaRPr lang="bg-BG" dirty="0"/>
+          </a:p>
+        </p:txBody>
+      </p:sp>
+    </p:spTree>
+    <p:extLst>
+      <p:ext uri="{BB962C8B-B14F-4D97-AF65-F5344CB8AC3E}">
+        <p14:creationId xmlns:p14="http://schemas.microsoft.com/office/powerpoint/2010/main" val="1842777371"/>
+      </p:ext>
+    </p:extLst>
+  </p:cSld>
+  <p:clrMapOvr>
+    <a:masterClrMapping/>
+  </p:clrMapOvr>
+</p:sld>
+</file>
+
+<file path=ppt/slides/slide23.xml><?xml version="1.0" encoding="utf-8"?>
+<p:sld xmlns:a="http://schemas.openxmlformats.org/drawingml/2006/main" xmlns:r="http://schemas.openxmlformats.org/officeDocument/2006/relationships" xmlns:p="http://schemas.openxmlformats.org/presentationml/2006/main">
+  <p:cSld>
+    <p:spTree>
+      <p:nvGrpSpPr>
+        <p:cNvPr id="1" name=""/>
+        <p:cNvGrpSpPr/>
+        <p:nvPr/>
+      </p:nvGrpSpPr>
+      <p:grpSpPr>
+        <a:xfrm>
+          <a:off x="0" y="0"/>
+          <a:ext cx="0" cy="0"/>
+          <a:chOff x="0" y="0"/>
+          <a:chExt cx="0" cy="0"/>
+        </a:xfrm>
+      </p:grpSpPr>
+      <p:sp>
+        <p:nvSpPr>
+          <p:cNvPr id="2" name="Title 1">
+            <a:extLst>
+              <a:ext uri="{FF2B5EF4-FFF2-40B4-BE49-F238E27FC236}">
+                <a16:creationId xmlns:a16="http://schemas.microsoft.com/office/drawing/2014/main" id="{B675D9D8-AEBB-CBE8-F0AA-9169E4C8624E}"/>
+              </a:ext>
+            </a:extLst>
+          </p:cNvPr>
+          <p:cNvSpPr>
+            <a:spLocks noGrp="1"/>
+          </p:cNvSpPr>
+          <p:nvPr>
+            <p:ph type="title"/>
+          </p:nvPr>
+        </p:nvSpPr>
+        <p:spPr>
+          <a:xfrm>
+            <a:off x="1154955" y="965429"/>
+            <a:ext cx="8761413" cy="1011651"/>
+          </a:xfrm>
+        </p:spPr>
+        <p:txBody>
+          <a:bodyPr/>
+          <a:lstStyle/>
+          <a:p>
+            <a:pPr algn="ctr"/>
+            <a:r>
+              <a:rPr lang="en-US" dirty="0">
+                <a:solidFill>
+                  <a:schemeClr val="bg1"/>
+                </a:solidFill>
+                <a:latin typeface="Arial" panose="020B0604020202020204" pitchFamily="34" charset="0"/>
+                <a:cs typeface="Arial" panose="020B0604020202020204" pitchFamily="34" charset="0"/>
+              </a:rPr>
+              <a:t>Undoing things (</a:t>
+            </a:r>
+            <a:r>
+              <a:rPr lang="bg-BG" dirty="0">
+                <a:solidFill>
+                  <a:schemeClr val="bg1"/>
+                </a:solidFill>
+                <a:latin typeface="Arial" panose="020B0604020202020204" pitchFamily="34" charset="0"/>
+                <a:cs typeface="Arial" panose="020B0604020202020204" pitchFamily="34" charset="0"/>
+              </a:rPr>
+              <a:t>команди, връщащи дадено </a:t>
+            </a:r>
+            <a:r>
+              <a:rPr lang="bg-BG" dirty="0" err="1">
+                <a:solidFill>
+                  <a:schemeClr val="bg1"/>
+                </a:solidFill>
+                <a:latin typeface="Arial" panose="020B0604020202020204" pitchFamily="34" charset="0"/>
+                <a:cs typeface="Arial" panose="020B0604020202020204" pitchFamily="34" charset="0"/>
+              </a:rPr>
+              <a:t>състояни</a:t>
+            </a:r>
+            <a:r>
+              <a:rPr lang="en-US" dirty="0">
+                <a:solidFill>
+                  <a:schemeClr val="bg1"/>
+                </a:solidFill>
+                <a:latin typeface="Arial" panose="020B0604020202020204" pitchFamily="34" charset="0"/>
+                <a:cs typeface="Arial" panose="020B0604020202020204" pitchFamily="34" charset="0"/>
+              </a:rPr>
+              <a:t>e)</a:t>
+            </a:r>
+            <a:endParaRPr lang="bg-BG" dirty="0">
+              <a:solidFill>
+                <a:schemeClr val="bg1"/>
+              </a:solidFill>
+              <a:latin typeface="Arial" panose="020B0604020202020204" pitchFamily="34" charset="0"/>
+              <a:cs typeface="Arial" panose="020B0604020202020204" pitchFamily="34" charset="0"/>
+            </a:endParaRPr>
+          </a:p>
+        </p:txBody>
+      </p:sp>
+      <p:sp>
+        <p:nvSpPr>
+          <p:cNvPr id="4" name="Rectangle 3">
+            <a:extLst>
+              <a:ext uri="{FF2B5EF4-FFF2-40B4-BE49-F238E27FC236}">
+                <a16:creationId xmlns:a16="http://schemas.microsoft.com/office/drawing/2014/main" id="{16EF7FAD-3ACB-837A-0B87-ABB34DD05DE1}"/>
+              </a:ext>
+            </a:extLst>
+          </p:cNvPr>
+          <p:cNvSpPr/>
+          <p:nvPr/>
+        </p:nvSpPr>
+        <p:spPr>
+          <a:xfrm>
+            <a:off x="1138480" y="4969933"/>
+            <a:ext cx="2199503" cy="922638"/>
+          </a:xfrm>
+          <a:prstGeom prst="rect">
+            <a:avLst/>
+          </a:prstGeom>
+        </p:spPr>
+        <p:style>
+          <a:lnRef idx="2">
+            <a:schemeClr val="accent3">
+              <a:shade val="15000"/>
+            </a:schemeClr>
+          </a:lnRef>
+          <a:fillRef idx="1">
+            <a:schemeClr val="accent3"/>
+          </a:fillRef>
+          <a:effectRef idx="0">
+            <a:schemeClr val="accent3"/>
+          </a:effectRef>
+          <a:fontRef idx="minor">
+            <a:schemeClr val="lt1"/>
+          </a:fontRef>
+        </p:style>
+        <p:txBody>
+          <a:bodyPr rtlCol="0" anchor="ctr"/>
+          <a:lstStyle/>
+          <a:p>
+            <a:pPr algn="ctr"/>
+            <a:r>
+              <a:rPr lang="en-US" dirty="0">
+                <a:solidFill>
+                  <a:schemeClr val="tx1"/>
+                </a:solidFill>
+              </a:rPr>
+              <a:t>Checkout commit</a:t>
+            </a:r>
+            <a:endParaRPr lang="bg-BG" dirty="0">
+              <a:solidFill>
+                <a:schemeClr val="tx1"/>
+              </a:solidFill>
+            </a:endParaRPr>
+          </a:p>
+        </p:txBody>
+      </p:sp>
+      <p:sp>
+        <p:nvSpPr>
+          <p:cNvPr id="6" name="Rectangle 5">
+            <a:extLst>
+              <a:ext uri="{FF2B5EF4-FFF2-40B4-BE49-F238E27FC236}">
+                <a16:creationId xmlns:a16="http://schemas.microsoft.com/office/drawing/2014/main" id="{1AC5301C-EA36-0D91-502C-21CDB6089B67}"/>
+              </a:ext>
+            </a:extLst>
+          </p:cNvPr>
+          <p:cNvSpPr/>
+          <p:nvPr/>
+        </p:nvSpPr>
+        <p:spPr>
+          <a:xfrm>
+            <a:off x="4670853" y="4969933"/>
+            <a:ext cx="2199503" cy="922638"/>
+          </a:xfrm>
+          <a:prstGeom prst="rect">
+            <a:avLst/>
+          </a:prstGeom>
+          <a:solidFill>
+            <a:schemeClr val="accent5">
+              <a:alpha val="50000"/>
+            </a:schemeClr>
+          </a:solidFill>
+          <a:ln>
+            <a:solidFill>
+              <a:schemeClr val="tx1"/>
+            </a:solidFill>
+          </a:ln>
+        </p:spPr>
+        <p:style>
+          <a:lnRef idx="0">
+            <a:scrgbClr r="0" g="0" b="0"/>
+          </a:lnRef>
+          <a:fillRef idx="0">
+            <a:scrgbClr r="0" g="0" b="0"/>
+          </a:fillRef>
+          <a:effectRef idx="0">
+            <a:scrgbClr r="0" g="0" b="0"/>
+          </a:effectRef>
+          <a:fontRef idx="minor">
+            <a:schemeClr val="lt1"/>
+          </a:fontRef>
+        </p:style>
+        <p:txBody>
+          <a:bodyPr rtlCol="0" anchor="ctr"/>
+          <a:lstStyle/>
+          <a:p>
+            <a:pPr algn="ctr"/>
+            <a:r>
+              <a:rPr lang="en-US" dirty="0">
+                <a:solidFill>
+                  <a:schemeClr val="tx1"/>
+                </a:solidFill>
+              </a:rPr>
+              <a:t>Revert commit</a:t>
+            </a:r>
+            <a:endParaRPr lang="bg-BG" dirty="0">
+              <a:solidFill>
+                <a:schemeClr val="tx1"/>
+              </a:solidFill>
+            </a:endParaRPr>
+          </a:p>
+        </p:txBody>
+      </p:sp>
+      <p:sp>
+        <p:nvSpPr>
+          <p:cNvPr id="7" name="Rectangle 6">
+            <a:extLst>
+              <a:ext uri="{FF2B5EF4-FFF2-40B4-BE49-F238E27FC236}">
+                <a16:creationId xmlns:a16="http://schemas.microsoft.com/office/drawing/2014/main" id="{E8B90858-7770-04E1-C92C-A7F52D6BBC65}"/>
+              </a:ext>
+            </a:extLst>
+          </p:cNvPr>
+          <p:cNvSpPr/>
+          <p:nvPr/>
+        </p:nvSpPr>
+        <p:spPr>
+          <a:xfrm>
+            <a:off x="8203226" y="4969933"/>
+            <a:ext cx="2199503" cy="922638"/>
+          </a:xfrm>
+          <a:prstGeom prst="rect">
+            <a:avLst/>
+          </a:prstGeom>
+        </p:spPr>
+        <p:style>
+          <a:lnRef idx="2">
+            <a:schemeClr val="accent6">
+              <a:shade val="15000"/>
+            </a:schemeClr>
+          </a:lnRef>
+          <a:fillRef idx="1">
+            <a:schemeClr val="accent6"/>
+          </a:fillRef>
+          <a:effectRef idx="0">
+            <a:schemeClr val="accent6"/>
+          </a:effectRef>
+          <a:fontRef idx="minor">
+            <a:schemeClr val="lt1"/>
+          </a:fontRef>
+        </p:style>
+        <p:txBody>
+          <a:bodyPr rtlCol="0" anchor="ctr"/>
+          <a:lstStyle/>
+          <a:p>
+            <a:pPr algn="ctr"/>
+            <a:r>
+              <a:rPr lang="en-US" dirty="0">
+                <a:solidFill>
+                  <a:schemeClr val="tx1"/>
+                </a:solidFill>
+              </a:rPr>
+              <a:t>Reset commit</a:t>
+            </a:r>
+            <a:endParaRPr lang="bg-BG" dirty="0">
+              <a:solidFill>
+                <a:schemeClr val="tx1"/>
+              </a:solidFill>
+            </a:endParaRPr>
+          </a:p>
+        </p:txBody>
+      </p:sp>
+      <p:pic>
+        <p:nvPicPr>
+          <p:cNvPr id="9" name="Picture 8" descr="A blue circle in the sky&#10;&#10;Description automatically generated">
+            <a:extLst>
+              <a:ext uri="{FF2B5EF4-FFF2-40B4-BE49-F238E27FC236}">
+                <a16:creationId xmlns:a16="http://schemas.microsoft.com/office/drawing/2014/main" id="{B06EF1A1-66F1-0FAD-D2DD-91FAC13039C7}"/>
+              </a:ext>
+            </a:extLst>
+          </p:cNvPr>
+          <p:cNvPicPr>
+            <a:picLocks noChangeAspect="1"/>
+          </p:cNvPicPr>
+          <p:nvPr/>
+        </p:nvPicPr>
+        <p:blipFill>
+          <a:blip r:embed="rId2">
+            <a:extLst>
+              <a:ext uri="{28A0092B-C50C-407E-A947-70E740481C1C}">
+                <a14:useLocalDpi xmlns:a14="http://schemas.microsoft.com/office/drawing/2010/main" val="0"/>
+              </a:ext>
+            </a:extLst>
+          </a:blip>
+          <a:stretch>
+            <a:fillRect/>
+          </a:stretch>
+        </p:blipFill>
+        <p:spPr>
+          <a:xfrm>
+            <a:off x="2122345" y="2904528"/>
+            <a:ext cx="7794023" cy="1283721"/>
+          </a:xfrm>
+          <a:prstGeom prst="rect">
+            <a:avLst/>
+          </a:prstGeom>
+        </p:spPr>
+      </p:pic>
+      <p:sp>
+        <p:nvSpPr>
+          <p:cNvPr id="3" name="TextBox 2">
+            <a:extLst>
+              <a:ext uri="{FF2B5EF4-FFF2-40B4-BE49-F238E27FC236}">
+                <a16:creationId xmlns:a16="http://schemas.microsoft.com/office/drawing/2014/main" id="{BE980BA0-5FC7-D347-4CD3-6E4988F19CC6}"/>
+              </a:ext>
+            </a:extLst>
+          </p:cNvPr>
+          <p:cNvSpPr txBox="1"/>
+          <p:nvPr/>
+        </p:nvSpPr>
+        <p:spPr>
+          <a:xfrm>
+            <a:off x="694465" y="4533328"/>
+            <a:ext cx="3087531" cy="369332"/>
+          </a:xfrm>
+          <a:prstGeom prst="rect">
+            <a:avLst/>
+          </a:prstGeom>
+          <a:noFill/>
+        </p:spPr>
+        <p:txBody>
+          <a:bodyPr wrap="square" rtlCol="0">
+            <a:spAutoFit/>
+          </a:bodyPr>
+          <a:lstStyle/>
+          <a:p>
+            <a:r>
+              <a:rPr lang="en-US" dirty="0">
+                <a:latin typeface="Arial" panose="020B0604020202020204" pitchFamily="34" charset="0"/>
+                <a:cs typeface="Arial" panose="020B0604020202020204" pitchFamily="34" charset="0"/>
+              </a:rPr>
+              <a:t>git checkout </a:t>
+            </a:r>
+            <a:r>
+              <a:rPr lang="en-US" dirty="0">
+                <a:solidFill>
+                  <a:srgbClr val="0070C0"/>
+                </a:solidFill>
+                <a:latin typeface="Arial" panose="020B0604020202020204" pitchFamily="34" charset="0"/>
+                <a:cs typeface="Arial" panose="020B0604020202020204" pitchFamily="34" charset="0"/>
+              </a:rPr>
+              <a:t>&lt;commit hash&gt;</a:t>
+            </a:r>
+            <a:endParaRPr lang="bg-BG" dirty="0">
+              <a:solidFill>
+                <a:srgbClr val="0070C0"/>
+              </a:solidFill>
+              <a:latin typeface="Arial" panose="020B0604020202020204" pitchFamily="34" charset="0"/>
+              <a:cs typeface="Arial" panose="020B0604020202020204" pitchFamily="34" charset="0"/>
+            </a:endParaRPr>
+          </a:p>
+        </p:txBody>
+      </p:sp>
+      <p:sp>
+        <p:nvSpPr>
+          <p:cNvPr id="5" name="TextBox 4">
+            <a:extLst>
+              <a:ext uri="{FF2B5EF4-FFF2-40B4-BE49-F238E27FC236}">
+                <a16:creationId xmlns:a16="http://schemas.microsoft.com/office/drawing/2014/main" id="{D8D26A36-2603-A767-3F0E-D9889DBF7661}"/>
+              </a:ext>
+            </a:extLst>
+          </p:cNvPr>
+          <p:cNvSpPr txBox="1"/>
+          <p:nvPr/>
+        </p:nvSpPr>
+        <p:spPr>
+          <a:xfrm>
+            <a:off x="4341451" y="4533328"/>
+            <a:ext cx="3087531" cy="369332"/>
+          </a:xfrm>
+          <a:prstGeom prst="rect">
+            <a:avLst/>
+          </a:prstGeom>
+          <a:noFill/>
+        </p:spPr>
+        <p:txBody>
+          <a:bodyPr wrap="square" rtlCol="0">
+            <a:spAutoFit/>
+          </a:bodyPr>
+          <a:lstStyle/>
+          <a:p>
+            <a:r>
+              <a:rPr lang="en-US" dirty="0">
+                <a:latin typeface="Arial" panose="020B0604020202020204" pitchFamily="34" charset="0"/>
+                <a:cs typeface="Arial" panose="020B0604020202020204" pitchFamily="34" charset="0"/>
+              </a:rPr>
+              <a:t>git revert </a:t>
+            </a:r>
+            <a:r>
+              <a:rPr lang="en-US" dirty="0">
+                <a:solidFill>
+                  <a:schemeClr val="accent5">
+                    <a:lumMod val="75000"/>
+                  </a:schemeClr>
+                </a:solidFill>
+                <a:latin typeface="Arial" panose="020B0604020202020204" pitchFamily="34" charset="0"/>
+                <a:cs typeface="Arial" panose="020B0604020202020204" pitchFamily="34" charset="0"/>
+              </a:rPr>
+              <a:t>&lt;commit hash&gt;</a:t>
+            </a:r>
+            <a:endParaRPr lang="bg-BG" dirty="0">
+              <a:solidFill>
+                <a:schemeClr val="accent5">
+                  <a:lumMod val="75000"/>
+                </a:schemeClr>
+              </a:solidFill>
+              <a:latin typeface="Arial" panose="020B0604020202020204" pitchFamily="34" charset="0"/>
+              <a:cs typeface="Arial" panose="020B0604020202020204" pitchFamily="34" charset="0"/>
+            </a:endParaRPr>
+          </a:p>
+        </p:txBody>
+      </p:sp>
+      <p:sp>
+        <p:nvSpPr>
+          <p:cNvPr id="8" name="TextBox 7">
+            <a:extLst>
+              <a:ext uri="{FF2B5EF4-FFF2-40B4-BE49-F238E27FC236}">
+                <a16:creationId xmlns:a16="http://schemas.microsoft.com/office/drawing/2014/main" id="{79B91658-62AF-E082-42E5-F68D6F10CB59}"/>
+              </a:ext>
+            </a:extLst>
+          </p:cNvPr>
+          <p:cNvSpPr txBox="1"/>
+          <p:nvPr/>
+        </p:nvSpPr>
+        <p:spPr>
+          <a:xfrm>
+            <a:off x="7608455" y="4511132"/>
+            <a:ext cx="3389043" cy="369332"/>
+          </a:xfrm>
+          <a:prstGeom prst="rect">
+            <a:avLst/>
+          </a:prstGeom>
+          <a:noFill/>
+        </p:spPr>
+        <p:txBody>
+          <a:bodyPr wrap="square" rtlCol="0">
+            <a:spAutoFit/>
+          </a:bodyPr>
+          <a:lstStyle/>
+          <a:p>
+            <a:r>
+              <a:rPr lang="en-US" dirty="0">
+                <a:latin typeface="Arial" panose="020B0604020202020204" pitchFamily="34" charset="0"/>
+                <a:cs typeface="Arial" panose="020B0604020202020204" pitchFamily="34" charset="0"/>
+              </a:rPr>
+              <a:t>git reset </a:t>
+            </a:r>
+            <a:r>
+              <a:rPr lang="en-US" dirty="0">
+                <a:solidFill>
+                  <a:schemeClr val="bg2">
+                    <a:lumMod val="50000"/>
+                  </a:schemeClr>
+                </a:solidFill>
+                <a:latin typeface="Arial" panose="020B0604020202020204" pitchFamily="34" charset="0"/>
+                <a:cs typeface="Arial" panose="020B0604020202020204" pitchFamily="34" charset="0"/>
+              </a:rPr>
+              <a:t>&lt;commit hash&gt; </a:t>
+            </a:r>
+            <a:r>
+              <a:rPr lang="en-US" dirty="0">
+                <a:latin typeface="Arial" panose="020B0604020202020204" pitchFamily="34" charset="0"/>
+                <a:cs typeface="Arial" panose="020B0604020202020204" pitchFamily="34" charset="0"/>
+              </a:rPr>
+              <a:t>--hard</a:t>
+            </a:r>
+            <a:endParaRPr lang="bg-BG" dirty="0">
+              <a:latin typeface="Arial" panose="020B0604020202020204" pitchFamily="34" charset="0"/>
+              <a:cs typeface="Arial" panose="020B0604020202020204" pitchFamily="34" charset="0"/>
+            </a:endParaRPr>
+          </a:p>
+        </p:txBody>
+      </p:sp>
+    </p:spTree>
+    <p:extLst>
+      <p:ext uri="{BB962C8B-B14F-4D97-AF65-F5344CB8AC3E}">
+        <p14:creationId xmlns:p14="http://schemas.microsoft.com/office/powerpoint/2010/main" val="241943726"/>
       </p:ext>
     </p:extLst>
   </p:cSld>
